--- a/CDE Point of View v1.1.pptx
+++ b/CDE Point of View v1.1.pptx
@@ -6,10 +6,10 @@
     <p:sldMasterId id="2147483840" r:id="rId2"/>
   </p:sldMasterIdLst>
   <p:notesMasterIdLst>
-    <p:notesMasterId r:id="rId19"/>
+    <p:notesMasterId r:id="rId25"/>
   </p:notesMasterIdLst>
   <p:handoutMasterIdLst>
-    <p:handoutMasterId r:id="rId20"/>
+    <p:handoutMasterId r:id="rId26"/>
   </p:handoutMasterIdLst>
   <p:sldIdLst>
     <p:sldId id="323" r:id="rId3"/>
@@ -19,15 +19,21 @@
     <p:sldId id="332" r:id="rId7"/>
     <p:sldId id="337" r:id="rId8"/>
     <p:sldId id="340" r:id="rId9"/>
-    <p:sldId id="341" r:id="rId10"/>
-    <p:sldId id="342" r:id="rId11"/>
-    <p:sldId id="343" r:id="rId12"/>
-    <p:sldId id="336" r:id="rId13"/>
-    <p:sldId id="328" r:id="rId14"/>
-    <p:sldId id="329" r:id="rId15"/>
-    <p:sldId id="338" r:id="rId16"/>
-    <p:sldId id="339" r:id="rId17"/>
-    <p:sldId id="270" r:id="rId18"/>
+    <p:sldId id="344" r:id="rId10"/>
+    <p:sldId id="346" r:id="rId11"/>
+    <p:sldId id="347" r:id="rId12"/>
+    <p:sldId id="345" r:id="rId13"/>
+    <p:sldId id="348" r:id="rId14"/>
+    <p:sldId id="349" r:id="rId15"/>
+    <p:sldId id="341" r:id="rId16"/>
+    <p:sldId id="342" r:id="rId17"/>
+    <p:sldId id="343" r:id="rId18"/>
+    <p:sldId id="336" r:id="rId19"/>
+    <p:sldId id="328" r:id="rId20"/>
+    <p:sldId id="329" r:id="rId21"/>
+    <p:sldId id="338" r:id="rId22"/>
+    <p:sldId id="339" r:id="rId23"/>
+    <p:sldId id="270" r:id="rId24"/>
   </p:sldIdLst>
   <p:sldSz cx="9144000" cy="5143500" type="screen16x9"/>
   <p:notesSz cx="6858000" cy="9144000"/>
@@ -230,7 +236,7 @@
           <a:p>
             <a:fld id="{965504ED-601C-9F41-A2BB-A84CD9D575D8}" type="datetimeFigureOut">
               <a:rPr lang="en-US" smtClean="0"/>
-              <a:t>12/5/2018</a:t>
+              <a:t>12/8/2018</a:t>
             </a:fld>
             <a:endParaRPr lang="en-US"/>
           </a:p>
@@ -396,7 +402,7 @@
           <a:p>
             <a:fld id="{C4499A69-9E3B-7C4C-9E3F-523F007A72CB}" type="datetimeFigureOut">
               <a:rPr lang="en-US" smtClean="0"/>
-              <a:t>12/5/2018</a:t>
+              <a:t>12/8/2018</a:t>
             </a:fld>
             <a:endParaRPr lang="en-US"/>
           </a:p>
@@ -1313,7 +1319,7 @@
           <a:p>
             <a:fld id="{7921B6AA-52B4-494A-A3CC-9F631DBC049D}" type="datetime1">
               <a:rPr lang="en-US" smtClean="0"/>
-              <a:t>12/5/2018</a:t>
+              <a:t>12/8/2018</a:t>
             </a:fld>
             <a:endParaRPr lang="en-US" dirty="0"/>
           </a:p>
@@ -1714,7 +1720,7 @@
           <a:p>
             <a:fld id="{CA4F26AE-5454-4F9D-AAE5-D3D002DD7C9F}" type="datetime1">
               <a:rPr lang="en-US" smtClean="0"/>
-              <a:t>12/5/2018</a:t>
+              <a:t>12/8/2018</a:t>
             </a:fld>
             <a:endParaRPr lang="en-US" dirty="0"/>
           </a:p>
@@ -2120,7 +2126,7 @@
           <a:p>
             <a:fld id="{98D386E0-6517-4865-845C-C9D03EFE0238}" type="datetime1">
               <a:rPr lang="en-US" smtClean="0"/>
-              <a:t>12/5/2018</a:t>
+              <a:t>12/8/2018</a:t>
             </a:fld>
             <a:endParaRPr lang="en-US" dirty="0"/>
           </a:p>
@@ -2526,7 +2532,7 @@
           <a:p>
             <a:fld id="{3BCD788F-B9E9-4F14-B100-50586E972F9F}" type="datetime1">
               <a:rPr lang="en-US" smtClean="0"/>
-              <a:t>12/5/2018</a:t>
+              <a:t>12/8/2018</a:t>
             </a:fld>
             <a:endParaRPr lang="en-US" dirty="0"/>
           </a:p>
@@ -3128,7 +3134,7 @@
           <a:p>
             <a:fld id="{101856AD-287E-4B42-827F-672E72E0C412}" type="datetime1">
               <a:rPr lang="en-US" smtClean="0"/>
-              <a:t>12/5/2018</a:t>
+              <a:t>12/8/2018</a:t>
             </a:fld>
             <a:endParaRPr lang="en-US" dirty="0"/>
           </a:p>
@@ -3535,7 +3541,7 @@
           <a:p>
             <a:fld id="{8E7D7697-AE57-43B3-A9C4-B97982A7969B}" type="datetime1">
               <a:rPr lang="en-US" smtClean="0"/>
-              <a:t>12/5/2018</a:t>
+              <a:t>12/8/2018</a:t>
             </a:fld>
             <a:endParaRPr lang="en-US" dirty="0"/>
           </a:p>
@@ -3879,7 +3885,7 @@
           <a:p>
             <a:fld id="{2932BF87-93DB-41AC-97FE-D5B0EDE196CB}" type="datetime1">
               <a:rPr lang="en-US" smtClean="0"/>
-              <a:t>12/5/2018</a:t>
+              <a:t>12/8/2018</a:t>
             </a:fld>
             <a:endParaRPr lang="en-US" dirty="0"/>
           </a:p>
@@ -4291,7 +4297,7 @@
           <a:p>
             <a:fld id="{A973AD6C-D0A4-4637-9498-78703FB83037}" type="datetime1">
               <a:rPr lang="en-US" smtClean="0"/>
-              <a:t>12/5/2018</a:t>
+              <a:t>12/8/2018</a:t>
             </a:fld>
             <a:endParaRPr lang="en-US" dirty="0"/>
           </a:p>
@@ -4738,7 +4744,7 @@
           <a:p>
             <a:fld id="{B76FEAAF-6EEB-4F52-AFCF-EAA3159D879B}" type="datetime1">
               <a:rPr lang="en-US" smtClean="0"/>
-              <a:t>12/5/2018</a:t>
+              <a:t>12/8/2018</a:t>
             </a:fld>
             <a:endParaRPr lang="en-US" dirty="0"/>
           </a:p>
@@ -5085,7 +5091,7 @@
           <a:p>
             <a:fld id="{53B3E752-6178-4BDC-A142-2B2569EDD04D}" type="datetime1">
               <a:rPr lang="en-US" smtClean="0"/>
-              <a:t>12/5/2018</a:t>
+              <a:t>12/8/2018</a:t>
             </a:fld>
             <a:endParaRPr lang="en-US" dirty="0"/>
           </a:p>
@@ -5931,7 +5937,7 @@
           <a:p>
             <a:fld id="{483964B7-435C-4AA1-A62E-A1663B697282}" type="datetime1">
               <a:rPr lang="en-US" smtClean="0"/>
-              <a:t>12/5/2018</a:t>
+              <a:t>12/8/2018</a:t>
             </a:fld>
             <a:endParaRPr lang="en-US" dirty="0"/>
           </a:p>
@@ -6387,7 +6393,7 @@
           <a:p>
             <a:fld id="{F6F2A938-361F-4F67-8BCD-4248013A871E}" type="datetime1">
               <a:rPr lang="en-US" smtClean="0"/>
-              <a:t>12/5/2018</a:t>
+              <a:t>12/8/2018</a:t>
             </a:fld>
             <a:endParaRPr lang="en-US" dirty="0"/>
           </a:p>
@@ -6765,7 +6771,7 @@
           <a:p>
             <a:fld id="{672216AA-C246-4BF8-9778-027A671AE05C}" type="datetime1">
               <a:rPr lang="en-US" smtClean="0"/>
-              <a:t>12/5/2018</a:t>
+              <a:t>12/8/2018</a:t>
             </a:fld>
             <a:endParaRPr lang="en-US" dirty="0"/>
           </a:p>
@@ -7155,7 +7161,7 @@
           <a:p>
             <a:fld id="{12951C51-9575-4E82-9944-2A080A1D1416}" type="datetime1">
               <a:rPr lang="en-US" smtClean="0"/>
-              <a:t>12/5/2018</a:t>
+              <a:t>12/8/2018</a:t>
             </a:fld>
             <a:endParaRPr lang="en-US" dirty="0"/>
           </a:p>
@@ -7456,7 +7462,7 @@
           <a:p>
             <a:fld id="{A6BE7440-A164-4BE7-A683-1DC89B30E100}" type="datetime1">
               <a:rPr lang="en-US" smtClean="0"/>
-              <a:t>12/5/2018</a:t>
+              <a:t>12/8/2018</a:t>
             </a:fld>
             <a:endParaRPr lang="en-US" dirty="0"/>
           </a:p>
@@ -7752,7 +7758,7 @@
           <a:p>
             <a:fld id="{D8644D50-66B5-4F98-BB65-0462948F36D0}" type="datetime1">
               <a:rPr lang="en-US" smtClean="0"/>
-              <a:t>12/5/2018</a:t>
+              <a:t>12/8/2018</a:t>
             </a:fld>
             <a:endParaRPr lang="en-US" dirty="0"/>
           </a:p>
@@ -8014,7 +8020,7 @@
           <a:p>
             <a:fld id="{F592C196-58BA-4F0F-83A6-F3DD888CADD0}" type="datetime1">
               <a:rPr lang="en-US" smtClean="0"/>
-              <a:t>12/5/2018</a:t>
+              <a:t>12/8/2018</a:t>
             </a:fld>
             <a:endParaRPr lang="en-US" dirty="0"/>
           </a:p>
@@ -8305,7 +8311,7 @@
           <a:p>
             <a:fld id="{04306A5D-4C19-4CEA-B7B4-5CF5FBCE4B8F}" type="datetime1">
               <a:rPr lang="en-US" smtClean="0"/>
-              <a:t>12/5/2018</a:t>
+              <a:t>12/8/2018</a:t>
             </a:fld>
             <a:endParaRPr lang="en-US" dirty="0"/>
           </a:p>
@@ -8531,7 +8537,7 @@
           <a:p>
             <a:fld id="{3DB0EFEF-BBC8-473D-9AE1-F3955CF8ED7D}" type="datetime1">
               <a:rPr lang="en-US" smtClean="0"/>
-              <a:t>12/5/2018</a:t>
+              <a:t>12/8/2018</a:t>
             </a:fld>
             <a:endParaRPr lang="en-US" dirty="0"/>
           </a:p>
@@ -8795,7 +8801,7 @@
           <a:p>
             <a:fld id="{053C89F2-7833-484F-A65C-662F6D68DDD3}" type="datetime1">
               <a:rPr lang="en-US" smtClean="0"/>
-              <a:t>12/5/2018</a:t>
+              <a:t>12/8/2018</a:t>
             </a:fld>
             <a:endParaRPr lang="en-US" dirty="0"/>
           </a:p>
@@ -9554,7 +9560,7 @@
           <a:p>
             <a:fld id="{92891E91-9488-4616-A4E9-562C551F1C22}" type="datetime1">
               <a:rPr lang="en-US" smtClean="0"/>
-              <a:t>12/5/2018</a:t>
+              <a:t>12/8/2018</a:t>
             </a:fld>
             <a:endParaRPr lang="en-US" dirty="0"/>
           </a:p>
@@ -9884,7 +9890,7 @@
           <a:p>
             <a:fld id="{A3F262AA-DEDE-48CB-AC20-EF8642D85293}" type="datetime1">
               <a:rPr lang="en-US" smtClean="0"/>
-              <a:t>12/5/2018</a:t>
+              <a:t>12/8/2018</a:t>
             </a:fld>
             <a:endParaRPr lang="en-US" dirty="0"/>
           </a:p>
@@ -10524,7 +10530,7 @@
           </a:lstStyle>
           <a:p>
             <a:r>
-              <a:rPr lang="en-US" smtClean="0"/>
+              <a:rPr lang="en-US"/>
               <a:t>Click to edit Master title style</a:t>
             </a:r>
             <a:endParaRPr lang="en-US" dirty="0"/>
@@ -10644,7 +10650,7 @@
           </a:lstStyle>
           <a:p>
             <a:r>
-              <a:rPr lang="en-US" smtClean="0"/>
+              <a:rPr lang="en-US"/>
               <a:t>Click to edit Master subtitle style</a:t>
             </a:r>
             <a:endParaRPr lang="en-US" dirty="0"/>
@@ -10683,7 +10689,7 @@
           <a:p>
             <a:fld id="{72C7141F-1075-416F-B85B-2A67B4DBA6BF}" type="datetime1">
               <a:rPr lang="en-US" smtClean="0"/>
-              <a:t>12/5/2018</a:t>
+              <a:t>12/8/2018</a:t>
             </a:fld>
             <a:endParaRPr lang="en-US" dirty="0"/>
           </a:p>
@@ -10720,7 +10726,7 @@
           </a:lstStyle>
           <a:p>
             <a:r>
-              <a:rPr lang="en-US" smtClean="0"/>
+              <a:rPr lang="en-US"/>
               <a:t>© 2018 Cognizant</a:t>
             </a:r>
             <a:endParaRPr lang="en-US" dirty="0"/>
@@ -10839,7 +10845,7 @@
           <a:lstStyle/>
           <a:p>
             <a:r>
-              <a:rPr lang="en-US" smtClean="0"/>
+              <a:rPr lang="en-US"/>
               <a:t>Click to edit Master title style</a:t>
             </a:r>
             <a:endParaRPr lang="en-US" dirty="0"/>
@@ -10868,35 +10874,35 @@
           <a:p>
             <a:pPr lvl="0"/>
             <a:r>
-              <a:rPr lang="en-US" smtClean="0"/>
+              <a:rPr lang="en-US"/>
               <a:t>Edit Master text styles</a:t>
             </a:r>
           </a:p>
           <a:p>
             <a:pPr lvl="1"/>
             <a:r>
-              <a:rPr lang="en-US" smtClean="0"/>
+              <a:rPr lang="en-US"/>
               <a:t>Second level</a:t>
             </a:r>
           </a:p>
           <a:p>
             <a:pPr lvl="2"/>
             <a:r>
-              <a:rPr lang="en-US" smtClean="0"/>
+              <a:rPr lang="en-US"/>
               <a:t>Third level</a:t>
             </a:r>
           </a:p>
           <a:p>
             <a:pPr lvl="3"/>
             <a:r>
-              <a:rPr lang="en-US" smtClean="0"/>
+              <a:rPr lang="en-US"/>
               <a:t>Fourth level</a:t>
             </a:r>
           </a:p>
           <a:p>
             <a:pPr lvl="4"/>
             <a:r>
-              <a:rPr lang="en-US" smtClean="0"/>
+              <a:rPr lang="en-US"/>
               <a:t>Fifth level</a:t>
             </a:r>
             <a:endParaRPr lang="en-US" dirty="0"/>
@@ -10920,7 +10926,7 @@
           <a:p>
             <a:fld id="{72C7141F-1075-416F-B85B-2A67B4DBA6BF}" type="datetime1">
               <a:rPr lang="en-US" smtClean="0"/>
-              <a:t>12/5/2018</a:t>
+              <a:t>12/8/2018</a:t>
             </a:fld>
             <a:endParaRPr lang="en-US" dirty="0"/>
           </a:p>
@@ -10942,7 +10948,7 @@
           <a:lstStyle/>
           <a:p>
             <a:r>
-              <a:rPr lang="en-US" smtClean="0"/>
+              <a:rPr lang="en-US"/>
               <a:t>© 2018 Cognizant</a:t>
             </a:r>
             <a:endParaRPr lang="en-US" dirty="0"/>
@@ -11816,7 +11822,7 @@
           </a:lstStyle>
           <a:p>
             <a:r>
-              <a:rPr lang="en-US" smtClean="0"/>
+              <a:rPr lang="en-US"/>
               <a:t>Click to edit Master title style</a:t>
             </a:r>
             <a:endParaRPr lang="en-US" dirty="0"/>
@@ -11937,7 +11943,7 @@
           <a:p>
             <a:pPr lvl="0"/>
             <a:r>
-              <a:rPr lang="en-US" smtClean="0"/>
+              <a:rPr lang="en-US"/>
               <a:t>Edit Master text styles</a:t>
             </a:r>
           </a:p>
@@ -11960,7 +11966,7 @@
           <a:p>
             <a:fld id="{72C7141F-1075-416F-B85B-2A67B4DBA6BF}" type="datetime1">
               <a:rPr lang="en-US" smtClean="0"/>
-              <a:t>12/5/2018</a:t>
+              <a:t>12/8/2018</a:t>
             </a:fld>
             <a:endParaRPr lang="en-US" dirty="0"/>
           </a:p>
@@ -11982,7 +11988,7 @@
           <a:lstStyle/>
           <a:p>
             <a:r>
-              <a:rPr lang="en-US" smtClean="0"/>
+              <a:rPr lang="en-US"/>
               <a:t>© 2018 Cognizant</a:t>
             </a:r>
             <a:endParaRPr lang="en-US" dirty="0"/>
@@ -12096,7 +12102,7 @@
           <a:lstStyle/>
           <a:p>
             <a:r>
-              <a:rPr lang="en-US" smtClean="0"/>
+              <a:rPr lang="en-US"/>
               <a:t>Click to edit Master title style</a:t>
             </a:r>
             <a:endParaRPr lang="en-US" dirty="0"/>
@@ -12127,35 +12133,35 @@
           <a:p>
             <a:pPr lvl="0"/>
             <a:r>
-              <a:rPr lang="en-US" smtClean="0"/>
+              <a:rPr lang="en-US"/>
               <a:t>Edit Master text styles</a:t>
             </a:r>
           </a:p>
           <a:p>
             <a:pPr lvl="1"/>
             <a:r>
-              <a:rPr lang="en-US" smtClean="0"/>
+              <a:rPr lang="en-US"/>
               <a:t>Second level</a:t>
             </a:r>
           </a:p>
           <a:p>
             <a:pPr lvl="2"/>
             <a:r>
-              <a:rPr lang="en-US" smtClean="0"/>
+              <a:rPr lang="en-US"/>
               <a:t>Third level</a:t>
             </a:r>
           </a:p>
           <a:p>
             <a:pPr lvl="3"/>
             <a:r>
-              <a:rPr lang="en-US" smtClean="0"/>
+              <a:rPr lang="en-US"/>
               <a:t>Fourth level</a:t>
             </a:r>
           </a:p>
           <a:p>
             <a:pPr lvl="4"/>
             <a:r>
-              <a:rPr lang="en-US" smtClean="0"/>
+              <a:rPr lang="en-US"/>
               <a:t>Fifth level</a:t>
             </a:r>
             <a:endParaRPr lang="en-US" dirty="0"/>
@@ -12186,35 +12192,35 @@
           <a:p>
             <a:pPr lvl="0"/>
             <a:r>
-              <a:rPr lang="en-US" smtClean="0"/>
+              <a:rPr lang="en-US"/>
               <a:t>Edit Master text styles</a:t>
             </a:r>
           </a:p>
           <a:p>
             <a:pPr lvl="1"/>
             <a:r>
-              <a:rPr lang="en-US" smtClean="0"/>
+              <a:rPr lang="en-US"/>
               <a:t>Second level</a:t>
             </a:r>
           </a:p>
           <a:p>
             <a:pPr lvl="2"/>
             <a:r>
-              <a:rPr lang="en-US" smtClean="0"/>
+              <a:rPr lang="en-US"/>
               <a:t>Third level</a:t>
             </a:r>
           </a:p>
           <a:p>
             <a:pPr lvl="3"/>
             <a:r>
-              <a:rPr lang="en-US" smtClean="0"/>
+              <a:rPr lang="en-US"/>
               <a:t>Fourth level</a:t>
             </a:r>
           </a:p>
           <a:p>
             <a:pPr lvl="4"/>
             <a:r>
-              <a:rPr lang="en-US" smtClean="0"/>
+              <a:rPr lang="en-US"/>
               <a:t>Fifth level</a:t>
             </a:r>
             <a:endParaRPr lang="en-US" dirty="0"/>
@@ -12238,7 +12244,7 @@
           <a:p>
             <a:fld id="{72C7141F-1075-416F-B85B-2A67B4DBA6BF}" type="datetime1">
               <a:rPr lang="en-US" smtClean="0"/>
-              <a:t>12/5/2018</a:t>
+              <a:t>12/8/2018</a:t>
             </a:fld>
             <a:endParaRPr lang="en-US" dirty="0"/>
           </a:p>
@@ -12260,7 +12266,7 @@
           <a:lstStyle/>
           <a:p>
             <a:r>
-              <a:rPr lang="en-US" smtClean="0"/>
+              <a:rPr lang="en-US"/>
               <a:t>© 2018 Cognizant</a:t>
             </a:r>
             <a:endParaRPr lang="en-US" dirty="0"/>
@@ -12342,7 +12348,7 @@
           </a:lstStyle>
           <a:p>
             <a:r>
-              <a:rPr lang="en-US" smtClean="0"/>
+              <a:rPr lang="en-US"/>
               <a:t>Click to edit Master title style</a:t>
             </a:r>
             <a:endParaRPr lang="en-US" dirty="0"/>
@@ -12414,7 +12420,7 @@
           <a:p>
             <a:pPr lvl="0"/>
             <a:r>
-              <a:rPr lang="en-US" smtClean="0"/>
+              <a:rPr lang="en-US"/>
               <a:t>Edit Master text styles</a:t>
             </a:r>
           </a:p>
@@ -12444,35 +12450,35 @@
           <a:p>
             <a:pPr lvl="0"/>
             <a:r>
-              <a:rPr lang="en-US" smtClean="0"/>
+              <a:rPr lang="en-US"/>
               <a:t>Edit Master text styles</a:t>
             </a:r>
           </a:p>
           <a:p>
             <a:pPr lvl="1"/>
             <a:r>
-              <a:rPr lang="en-US" smtClean="0"/>
+              <a:rPr lang="en-US"/>
               <a:t>Second level</a:t>
             </a:r>
           </a:p>
           <a:p>
             <a:pPr lvl="2"/>
             <a:r>
-              <a:rPr lang="en-US" smtClean="0"/>
+              <a:rPr lang="en-US"/>
               <a:t>Third level</a:t>
             </a:r>
           </a:p>
           <a:p>
             <a:pPr lvl="3"/>
             <a:r>
-              <a:rPr lang="en-US" smtClean="0"/>
+              <a:rPr lang="en-US"/>
               <a:t>Fourth level</a:t>
             </a:r>
           </a:p>
           <a:p>
             <a:pPr lvl="4"/>
             <a:r>
-              <a:rPr lang="en-US" smtClean="0"/>
+              <a:rPr lang="en-US"/>
               <a:t>Fifth level</a:t>
             </a:r>
             <a:endParaRPr lang="en-US" dirty="0"/>
@@ -12544,7 +12550,7 @@
           <a:p>
             <a:pPr lvl="0"/>
             <a:r>
-              <a:rPr lang="en-US" smtClean="0"/>
+              <a:rPr lang="en-US"/>
               <a:t>Edit Master text styles</a:t>
             </a:r>
           </a:p>
@@ -12602,35 +12608,35 @@
           <a:p>
             <a:pPr lvl="0"/>
             <a:r>
-              <a:rPr lang="en-US" smtClean="0"/>
+              <a:rPr lang="en-US"/>
               <a:t>Edit Master text styles</a:t>
             </a:r>
           </a:p>
           <a:p>
             <a:pPr lvl="1"/>
             <a:r>
-              <a:rPr lang="en-US" smtClean="0"/>
+              <a:rPr lang="en-US"/>
               <a:t>Second level</a:t>
             </a:r>
           </a:p>
           <a:p>
             <a:pPr lvl="2"/>
             <a:r>
-              <a:rPr lang="en-US" smtClean="0"/>
+              <a:rPr lang="en-US"/>
               <a:t>Third level</a:t>
             </a:r>
           </a:p>
           <a:p>
             <a:pPr lvl="3"/>
             <a:r>
-              <a:rPr lang="en-US" smtClean="0"/>
+              <a:rPr lang="en-US"/>
               <a:t>Fourth level</a:t>
             </a:r>
           </a:p>
           <a:p>
             <a:pPr lvl="4"/>
             <a:r>
-              <a:rPr lang="en-US" smtClean="0"/>
+              <a:rPr lang="en-US"/>
               <a:t>Fifth level</a:t>
             </a:r>
             <a:endParaRPr lang="en-US" dirty="0"/>
@@ -12654,7 +12660,7 @@
           <a:p>
             <a:fld id="{72C7141F-1075-416F-B85B-2A67B4DBA6BF}" type="datetime1">
               <a:rPr lang="en-US" smtClean="0"/>
-              <a:t>12/5/2018</a:t>
+              <a:t>12/8/2018</a:t>
             </a:fld>
             <a:endParaRPr lang="en-US" dirty="0"/>
           </a:p>
@@ -12676,7 +12682,7 @@
           <a:lstStyle/>
           <a:p>
             <a:r>
-              <a:rPr lang="en-US" smtClean="0"/>
+              <a:rPr lang="en-US"/>
               <a:t>© 2018 Cognizant</a:t>
             </a:r>
             <a:endParaRPr lang="en-US" dirty="0"/>
@@ -12763,7 +12769,7 @@
           </a:lstStyle>
           <a:p>
             <a:r>
-              <a:rPr lang="en-US" smtClean="0"/>
+              <a:rPr lang="en-US"/>
               <a:t>Click to edit Master title style</a:t>
             </a:r>
             <a:endParaRPr lang="en-US" dirty="0"/>
@@ -12787,7 +12793,7 @@
           <a:p>
             <a:fld id="{72C7141F-1075-416F-B85B-2A67B4DBA6BF}" type="datetime1">
               <a:rPr lang="en-US" smtClean="0"/>
-              <a:t>12/5/2018</a:t>
+              <a:t>12/8/2018</a:t>
             </a:fld>
             <a:endParaRPr lang="en-US" dirty="0"/>
           </a:p>
@@ -12809,7 +12815,7 @@
           <a:lstStyle/>
           <a:p>
             <a:r>
-              <a:rPr lang="en-US" smtClean="0"/>
+              <a:rPr lang="en-US"/>
               <a:t>© 2018 Cognizant</a:t>
             </a:r>
             <a:endParaRPr lang="en-US" dirty="0"/>
@@ -12888,7 +12894,7 @@
           <a:p>
             <a:fld id="{72C7141F-1075-416F-B85B-2A67B4DBA6BF}" type="datetime1">
               <a:rPr lang="en-US" smtClean="0"/>
-              <a:t>12/5/2018</a:t>
+              <a:t>12/8/2018</a:t>
             </a:fld>
             <a:endParaRPr lang="en-US" dirty="0"/>
           </a:p>
@@ -12910,7 +12916,7 @@
           <a:lstStyle/>
           <a:p>
             <a:r>
-              <a:rPr lang="en-US" smtClean="0"/>
+              <a:rPr lang="en-US"/>
               <a:t>© 2018 Cognizant</a:t>
             </a:r>
             <a:endParaRPr lang="en-US" dirty="0"/>
@@ -13387,7 +13393,7 @@
           <a:p>
             <a:fld id="{669E508C-8E0B-469F-A2D9-AC62101F5C05}" type="datetime1">
               <a:rPr lang="en-US" smtClean="0"/>
-              <a:t>12/5/2018</a:t>
+              <a:t>12/8/2018</a:t>
             </a:fld>
             <a:endParaRPr lang="en-US" dirty="0"/>
           </a:p>
@@ -14383,7 +14389,7 @@
           </a:lstStyle>
           <a:p>
             <a:r>
-              <a:rPr lang="en-US" smtClean="0"/>
+              <a:rPr lang="en-US"/>
               <a:t>Click to edit Master title style</a:t>
             </a:r>
             <a:endParaRPr lang="en-US" dirty="0"/>
@@ -14414,35 +14420,35 @@
           <a:p>
             <a:pPr lvl="0"/>
             <a:r>
-              <a:rPr lang="en-US" smtClean="0"/>
+              <a:rPr lang="en-US"/>
               <a:t>Edit Master text styles</a:t>
             </a:r>
           </a:p>
           <a:p>
             <a:pPr lvl="1"/>
             <a:r>
-              <a:rPr lang="en-US" smtClean="0"/>
+              <a:rPr lang="en-US"/>
               <a:t>Second level</a:t>
             </a:r>
           </a:p>
           <a:p>
             <a:pPr lvl="2"/>
             <a:r>
-              <a:rPr lang="en-US" smtClean="0"/>
+              <a:rPr lang="en-US"/>
               <a:t>Third level</a:t>
             </a:r>
           </a:p>
           <a:p>
             <a:pPr lvl="3"/>
             <a:r>
-              <a:rPr lang="en-US" smtClean="0"/>
+              <a:rPr lang="en-US"/>
               <a:t>Fourth level</a:t>
             </a:r>
           </a:p>
           <a:p>
             <a:pPr lvl="4"/>
             <a:r>
-              <a:rPr lang="en-US" smtClean="0"/>
+              <a:rPr lang="en-US"/>
               <a:t>Fifth level</a:t>
             </a:r>
             <a:endParaRPr lang="en-US" dirty="0"/>
@@ -14515,7 +14521,7 @@
           <a:p>
             <a:pPr lvl="0"/>
             <a:r>
-              <a:rPr lang="en-US" smtClean="0"/>
+              <a:rPr lang="en-US"/>
               <a:t>Edit Master text styles</a:t>
             </a:r>
           </a:p>
@@ -14538,7 +14544,7 @@
           <a:p>
             <a:fld id="{72C7141F-1075-416F-B85B-2A67B4DBA6BF}" type="datetime1">
               <a:rPr lang="en-US" smtClean="0"/>
-              <a:t>12/5/2018</a:t>
+              <a:t>12/8/2018</a:t>
             </a:fld>
             <a:endParaRPr lang="en-US" dirty="0"/>
           </a:p>
@@ -14560,7 +14566,7 @@
           <a:lstStyle/>
           <a:p>
             <a:r>
-              <a:rPr lang="en-US" smtClean="0"/>
+              <a:rPr lang="en-US"/>
               <a:t>© 2018 Cognizant</a:t>
             </a:r>
             <a:endParaRPr lang="en-US" dirty="0"/>
@@ -15472,7 +15478,7 @@
           </a:lstStyle>
           <a:p>
             <a:r>
-              <a:rPr lang="en-US" smtClean="0"/>
+              <a:rPr lang="en-US"/>
               <a:t>Click to edit Master title style</a:t>
             </a:r>
             <a:endParaRPr lang="en-US" dirty="0"/>
@@ -15554,7 +15560,7 @@
               <a:buNone/>
             </a:pPr>
             <a:r>
-              <a:rPr lang="en-US" smtClean="0"/>
+              <a:rPr lang="en-US"/>
               <a:t>Click icon to add picture</a:t>
             </a:r>
             <a:endParaRPr lang="en-US" dirty="0"/>
@@ -15629,7 +15635,7 @@
           <a:p>
             <a:pPr lvl="0"/>
             <a:r>
-              <a:rPr lang="en-US" smtClean="0"/>
+              <a:rPr lang="en-US"/>
               <a:t>Edit Master text styles</a:t>
             </a:r>
           </a:p>
@@ -15652,7 +15658,7 @@
           <a:p>
             <a:fld id="{72C7141F-1075-416F-B85B-2A67B4DBA6BF}" type="datetime1">
               <a:rPr lang="en-US" smtClean="0"/>
-              <a:t>12/5/2018</a:t>
+              <a:t>12/8/2018</a:t>
             </a:fld>
             <a:endParaRPr lang="en-US" dirty="0"/>
           </a:p>
@@ -15674,7 +15680,7 @@
           <a:lstStyle/>
           <a:p>
             <a:r>
-              <a:rPr lang="en-US" smtClean="0"/>
+              <a:rPr lang="en-US"/>
               <a:t>© 2018 Cognizant</a:t>
             </a:r>
             <a:endParaRPr lang="en-US" dirty="0"/>
@@ -16549,7 +16555,7 @@
           </a:lstStyle>
           <a:p>
             <a:r>
-              <a:rPr lang="en-US" smtClean="0"/>
+              <a:rPr lang="en-US"/>
               <a:t>Click to edit Master title style</a:t>
             </a:r>
             <a:endParaRPr lang="en-US" dirty="0"/>
@@ -16628,7 +16634,7 @@
           </a:lstStyle>
           <a:p>
             <a:r>
-              <a:rPr lang="en-US" smtClean="0"/>
+              <a:rPr lang="en-US"/>
               <a:t>Click icon to add picture</a:t>
             </a:r>
             <a:endParaRPr lang="en-US" dirty="0"/>
@@ -16703,7 +16709,7 @@
           <a:p>
             <a:pPr lvl="0"/>
             <a:r>
-              <a:rPr lang="en-US" smtClean="0"/>
+              <a:rPr lang="en-US"/>
               <a:t>Edit Master text styles</a:t>
             </a:r>
           </a:p>
@@ -16726,7 +16732,7 @@
           <a:p>
             <a:fld id="{72C7141F-1075-416F-B85B-2A67B4DBA6BF}" type="datetime1">
               <a:rPr lang="en-US" smtClean="0"/>
-              <a:t>12/5/2018</a:t>
+              <a:t>12/8/2018</a:t>
             </a:fld>
             <a:endParaRPr lang="en-US" dirty="0"/>
           </a:p>
@@ -16748,7 +16754,7 @@
           <a:lstStyle/>
           <a:p>
             <a:r>
-              <a:rPr lang="en-US" smtClean="0"/>
+              <a:rPr lang="en-US"/>
               <a:t>© 2018 Cognizant</a:t>
             </a:r>
             <a:endParaRPr lang="en-US" dirty="0"/>
@@ -17621,7 +17627,7 @@
           </a:lstStyle>
           <a:p>
             <a:r>
-              <a:rPr lang="en-US" smtClean="0"/>
+              <a:rPr lang="en-US"/>
               <a:t>Click to edit Master title style</a:t>
             </a:r>
             <a:endParaRPr lang="en-US" dirty="0"/>
@@ -17689,7 +17695,7 @@
           <a:p>
             <a:pPr lvl="0"/>
             <a:r>
-              <a:rPr lang="en-US" smtClean="0"/>
+              <a:rPr lang="en-US"/>
               <a:t>Edit Master text styles</a:t>
             </a:r>
           </a:p>
@@ -17712,7 +17718,7 @@
           <a:p>
             <a:fld id="{72C7141F-1075-416F-B85B-2A67B4DBA6BF}" type="datetime1">
               <a:rPr lang="en-US" smtClean="0"/>
-              <a:t>12/5/2018</a:t>
+              <a:t>12/8/2018</a:t>
             </a:fld>
             <a:endParaRPr lang="en-US" dirty="0"/>
           </a:p>
@@ -17734,7 +17740,7 @@
           <a:lstStyle/>
           <a:p>
             <a:r>
-              <a:rPr lang="en-US" smtClean="0"/>
+              <a:rPr lang="en-US"/>
               <a:t>© 2018 Cognizant</a:t>
             </a:r>
             <a:endParaRPr lang="en-US" dirty="0"/>
@@ -18685,7 +18691,7 @@
           </a:lstStyle>
           <a:p>
             <a:r>
-              <a:rPr lang="en-US" smtClean="0"/>
+              <a:rPr lang="en-US"/>
               <a:t>Click to edit Master title style</a:t>
             </a:r>
             <a:endParaRPr lang="en-US" dirty="0"/>
@@ -18762,7 +18768,7 @@
           <a:p>
             <a:pPr lvl="0"/>
             <a:r>
-              <a:rPr lang="en-US" smtClean="0"/>
+              <a:rPr lang="en-US"/>
               <a:t>Edit Master text styles</a:t>
             </a:r>
           </a:p>
@@ -18829,7 +18835,7 @@
           <a:p>
             <a:pPr lvl="0"/>
             <a:r>
-              <a:rPr lang="en-US" smtClean="0"/>
+              <a:rPr lang="en-US"/>
               <a:t>Edit Master text styles</a:t>
             </a:r>
           </a:p>
@@ -18852,7 +18858,7 @@
           <a:p>
             <a:fld id="{72C7141F-1075-416F-B85B-2A67B4DBA6BF}" type="datetime1">
               <a:rPr lang="en-US" smtClean="0"/>
-              <a:t>12/5/2018</a:t>
+              <a:t>12/8/2018</a:t>
             </a:fld>
             <a:endParaRPr lang="en-US" dirty="0"/>
           </a:p>
@@ -18874,7 +18880,7 @@
           <a:lstStyle/>
           <a:p>
             <a:r>
-              <a:rPr lang="en-US" smtClean="0"/>
+              <a:rPr lang="en-US"/>
               <a:t>© 2018 Cognizant</a:t>
             </a:r>
             <a:endParaRPr lang="en-US" dirty="0"/>
@@ -19747,7 +19753,7 @@
           </a:lstStyle>
           <a:p>
             <a:r>
-              <a:rPr lang="en-US" smtClean="0"/>
+              <a:rPr lang="en-US"/>
               <a:t>Click to edit Master title style</a:t>
             </a:r>
             <a:endParaRPr lang="en-US" dirty="0"/>
@@ -19868,7 +19874,7 @@
           <a:p>
             <a:pPr lvl="0"/>
             <a:r>
-              <a:rPr lang="en-US" smtClean="0"/>
+              <a:rPr lang="en-US"/>
               <a:t>Edit Master text styles</a:t>
             </a:r>
           </a:p>
@@ -19891,7 +19897,7 @@
           <a:p>
             <a:fld id="{72C7141F-1075-416F-B85B-2A67B4DBA6BF}" type="datetime1">
               <a:rPr lang="en-US" smtClean="0"/>
-              <a:t>12/5/2018</a:t>
+              <a:t>12/8/2018</a:t>
             </a:fld>
             <a:endParaRPr lang="en-US" dirty="0"/>
           </a:p>
@@ -19913,7 +19919,7 @@
           <a:lstStyle/>
           <a:p>
             <a:r>
-              <a:rPr lang="en-US" smtClean="0"/>
+              <a:rPr lang="en-US"/>
               <a:t>© 2018 Cognizant</a:t>
             </a:r>
             <a:endParaRPr lang="en-US" dirty="0"/>
@@ -20036,7 +20042,7 @@
           </a:lstStyle>
           <a:p>
             <a:r>
-              <a:rPr lang="en-US" smtClean="0"/>
+              <a:rPr lang="en-US"/>
               <a:t>Click to edit Master title style</a:t>
             </a:r>
             <a:endParaRPr lang="en-US" dirty="0"/>
@@ -20111,7 +20117,7 @@
           <a:p>
             <a:pPr lvl="0"/>
             <a:r>
-              <a:rPr lang="en-US" smtClean="0"/>
+              <a:rPr lang="en-US"/>
               <a:t>Edit Master text styles</a:t>
             </a:r>
           </a:p>
@@ -20178,7 +20184,7 @@
           <a:p>
             <a:pPr lvl="0"/>
             <a:r>
-              <a:rPr lang="en-US" smtClean="0"/>
+              <a:rPr lang="en-US"/>
               <a:t>Edit Master text styles</a:t>
             </a:r>
           </a:p>
@@ -20252,7 +20258,7 @@
           <a:p>
             <a:pPr lvl="0"/>
             <a:r>
-              <a:rPr lang="en-US" smtClean="0"/>
+              <a:rPr lang="en-US"/>
               <a:t>Edit Master text styles</a:t>
             </a:r>
           </a:p>
@@ -20319,7 +20325,7 @@
           <a:p>
             <a:pPr lvl="0"/>
             <a:r>
-              <a:rPr lang="en-US" smtClean="0"/>
+              <a:rPr lang="en-US"/>
               <a:t>Edit Master text styles</a:t>
             </a:r>
           </a:p>
@@ -20393,7 +20399,7 @@
           <a:p>
             <a:pPr lvl="0"/>
             <a:r>
-              <a:rPr lang="en-US" smtClean="0"/>
+              <a:rPr lang="en-US"/>
               <a:t>Edit Master text styles</a:t>
             </a:r>
           </a:p>
@@ -20460,7 +20466,7 @@
           <a:p>
             <a:pPr lvl="0"/>
             <a:r>
-              <a:rPr lang="en-US" smtClean="0"/>
+              <a:rPr lang="en-US"/>
               <a:t>Edit Master text styles</a:t>
             </a:r>
           </a:p>
@@ -20557,7 +20563,7 @@
           <a:p>
             <a:fld id="{72C7141F-1075-416F-B85B-2A67B4DBA6BF}" type="datetime1">
               <a:rPr lang="en-US" smtClean="0"/>
-              <a:t>12/5/2018</a:t>
+              <a:t>12/8/2018</a:t>
             </a:fld>
             <a:endParaRPr lang="en-US" dirty="0"/>
           </a:p>
@@ -20579,7 +20585,7 @@
           <a:lstStyle/>
           <a:p>
             <a:r>
-              <a:rPr lang="en-US" smtClean="0"/>
+              <a:rPr lang="en-US"/>
               <a:t>© 2018 Cognizant</a:t>
             </a:r>
             <a:endParaRPr lang="en-US" dirty="0"/>
@@ -20666,7 +20672,7 @@
           </a:lstStyle>
           <a:p>
             <a:r>
-              <a:rPr lang="en-US" smtClean="0"/>
+              <a:rPr lang="en-US"/>
               <a:t>Click to edit Master title style</a:t>
             </a:r>
             <a:endParaRPr lang="en-US" dirty="0"/>
@@ -20741,7 +20747,7 @@
           <a:p>
             <a:pPr lvl="0"/>
             <a:r>
-              <a:rPr lang="en-US" smtClean="0"/>
+              <a:rPr lang="en-US"/>
               <a:t>Edit Master text styles</a:t>
             </a:r>
           </a:p>
@@ -20819,7 +20825,7 @@
           </a:lstStyle>
           <a:p>
             <a:r>
-              <a:rPr lang="en-US" smtClean="0"/>
+              <a:rPr lang="en-US"/>
               <a:t>Click icon to add picture</a:t>
             </a:r>
             <a:endParaRPr lang="en-US" dirty="0"/>
@@ -20887,7 +20893,7 @@
           <a:p>
             <a:pPr lvl="0"/>
             <a:r>
-              <a:rPr lang="en-US" smtClean="0"/>
+              <a:rPr lang="en-US"/>
               <a:t>Edit Master text styles</a:t>
             </a:r>
           </a:p>
@@ -20961,7 +20967,7 @@
           <a:p>
             <a:pPr lvl="0"/>
             <a:r>
-              <a:rPr lang="en-US" smtClean="0"/>
+              <a:rPr lang="en-US"/>
               <a:t>Edit Master text styles</a:t>
             </a:r>
           </a:p>
@@ -21039,7 +21045,7 @@
           </a:lstStyle>
           <a:p>
             <a:r>
-              <a:rPr lang="en-US" smtClean="0"/>
+              <a:rPr lang="en-US"/>
               <a:t>Click icon to add picture</a:t>
             </a:r>
             <a:endParaRPr lang="en-US" dirty="0"/>
@@ -21107,7 +21113,7 @@
           <a:p>
             <a:pPr lvl="0"/>
             <a:r>
-              <a:rPr lang="en-US" smtClean="0"/>
+              <a:rPr lang="en-US"/>
               <a:t>Edit Master text styles</a:t>
             </a:r>
           </a:p>
@@ -21181,7 +21187,7 @@
           <a:p>
             <a:pPr lvl="0"/>
             <a:r>
-              <a:rPr lang="en-US" smtClean="0"/>
+              <a:rPr lang="en-US"/>
               <a:t>Edit Master text styles</a:t>
             </a:r>
           </a:p>
@@ -21259,7 +21265,7 @@
           </a:lstStyle>
           <a:p>
             <a:r>
-              <a:rPr lang="en-US" smtClean="0"/>
+              <a:rPr lang="en-US"/>
               <a:t>Click icon to add picture</a:t>
             </a:r>
             <a:endParaRPr lang="en-US" dirty="0"/>
@@ -21327,7 +21333,7 @@
           <a:p>
             <a:pPr lvl="0"/>
             <a:r>
-              <a:rPr lang="en-US" smtClean="0"/>
+              <a:rPr lang="en-US"/>
               <a:t>Edit Master text styles</a:t>
             </a:r>
           </a:p>
@@ -21424,7 +21430,7 @@
           <a:p>
             <a:fld id="{72C7141F-1075-416F-B85B-2A67B4DBA6BF}" type="datetime1">
               <a:rPr lang="en-US" smtClean="0"/>
-              <a:t>12/5/2018</a:t>
+              <a:t>12/8/2018</a:t>
             </a:fld>
             <a:endParaRPr lang="en-US" dirty="0"/>
           </a:p>
@@ -21451,7 +21457,7 @@
           <a:lstStyle/>
           <a:p>
             <a:r>
-              <a:rPr lang="en-US" smtClean="0"/>
+              <a:rPr lang="en-US"/>
               <a:t>© 2018 Cognizant</a:t>
             </a:r>
             <a:endParaRPr lang="en-US" dirty="0"/>
@@ -21534,7 +21540,7 @@
           <a:lstStyle/>
           <a:p>
             <a:r>
-              <a:rPr lang="en-US" smtClean="0"/>
+              <a:rPr lang="en-US"/>
               <a:t>Click to edit Master title style</a:t>
             </a:r>
             <a:endParaRPr lang="en-US" dirty="0"/>
@@ -21563,35 +21569,35 @@
           <a:p>
             <a:pPr lvl="0"/>
             <a:r>
-              <a:rPr lang="en-US" smtClean="0"/>
+              <a:rPr lang="en-US"/>
               <a:t>Edit Master text styles</a:t>
             </a:r>
           </a:p>
           <a:p>
             <a:pPr lvl="1"/>
             <a:r>
-              <a:rPr lang="en-US" smtClean="0"/>
+              <a:rPr lang="en-US"/>
               <a:t>Second level</a:t>
             </a:r>
           </a:p>
           <a:p>
             <a:pPr lvl="2"/>
             <a:r>
-              <a:rPr lang="en-US" smtClean="0"/>
+              <a:rPr lang="en-US"/>
               <a:t>Third level</a:t>
             </a:r>
           </a:p>
           <a:p>
             <a:pPr lvl="3"/>
             <a:r>
-              <a:rPr lang="en-US" smtClean="0"/>
+              <a:rPr lang="en-US"/>
               <a:t>Fourth level</a:t>
             </a:r>
           </a:p>
           <a:p>
             <a:pPr lvl="4"/>
             <a:r>
-              <a:rPr lang="en-US" smtClean="0"/>
+              <a:rPr lang="en-US"/>
               <a:t>Fifth level</a:t>
             </a:r>
             <a:endParaRPr lang="en-US" dirty="0"/>
@@ -21620,7 +21626,7 @@
           <a:p>
             <a:fld id="{72C7141F-1075-416F-B85B-2A67B4DBA6BF}" type="datetime1">
               <a:rPr lang="en-US" smtClean="0"/>
-              <a:t>12/5/2018</a:t>
+              <a:t>12/8/2018</a:t>
             </a:fld>
             <a:endParaRPr lang="en-US" dirty="0"/>
           </a:p>
@@ -21642,7 +21648,7 @@
           <a:lstStyle/>
           <a:p>
             <a:r>
-              <a:rPr lang="en-US" smtClean="0"/>
+              <a:rPr lang="en-US"/>
               <a:t>© 2018 Cognizant</a:t>
             </a:r>
             <a:endParaRPr lang="en-US" dirty="0"/>
@@ -22512,7 +22518,7 @@
           <a:lstStyle/>
           <a:p>
             <a:r>
-              <a:rPr lang="en-US" smtClean="0"/>
+              <a:rPr lang="en-US"/>
               <a:t>Click to edit Master title style</a:t>
             </a:r>
             <a:endParaRPr lang="en-US" dirty="0"/>
@@ -22541,35 +22547,35 @@
           <a:p>
             <a:pPr lvl="0"/>
             <a:r>
-              <a:rPr lang="en-US" smtClean="0"/>
+              <a:rPr lang="en-US"/>
               <a:t>Edit Master text styles</a:t>
             </a:r>
           </a:p>
           <a:p>
             <a:pPr lvl="1"/>
             <a:r>
-              <a:rPr lang="en-US" smtClean="0"/>
+              <a:rPr lang="en-US"/>
               <a:t>Second level</a:t>
             </a:r>
           </a:p>
           <a:p>
             <a:pPr lvl="2"/>
             <a:r>
-              <a:rPr lang="en-US" smtClean="0"/>
+              <a:rPr lang="en-US"/>
               <a:t>Third level</a:t>
             </a:r>
           </a:p>
           <a:p>
             <a:pPr lvl="3"/>
             <a:r>
-              <a:rPr lang="en-US" smtClean="0"/>
+              <a:rPr lang="en-US"/>
               <a:t>Fourth level</a:t>
             </a:r>
           </a:p>
           <a:p>
             <a:pPr lvl="4"/>
             <a:r>
-              <a:rPr lang="en-US" smtClean="0"/>
+              <a:rPr lang="en-US"/>
               <a:t>Fifth level</a:t>
             </a:r>
             <a:endParaRPr lang="en-US" dirty="0"/>
@@ -22598,7 +22604,7 @@
           <a:p>
             <a:fld id="{72C7141F-1075-416F-B85B-2A67B4DBA6BF}" type="datetime1">
               <a:rPr lang="en-US" smtClean="0"/>
-              <a:t>12/5/2018</a:t>
+              <a:t>12/8/2018</a:t>
             </a:fld>
             <a:endParaRPr lang="en-US" dirty="0"/>
           </a:p>
@@ -22620,7 +22626,7 @@
           <a:lstStyle/>
           <a:p>
             <a:r>
-              <a:rPr lang="en-US" smtClean="0"/>
+              <a:rPr lang="en-US"/>
               <a:t>© 2018 Cognizant</a:t>
             </a:r>
             <a:endParaRPr lang="en-US" dirty="0"/>
@@ -22998,7 +23004,7 @@
           <a:p>
             <a:fld id="{86A04BE0-EF35-4D6F-B801-4137CADB0D75}" type="datetime1">
               <a:rPr lang="en-US" smtClean="0"/>
-              <a:t>12/5/2018</a:t>
+              <a:t>12/8/2018</a:t>
             </a:fld>
             <a:endParaRPr lang="en-US" dirty="0"/>
           </a:p>
@@ -23610,7 +23616,7 @@
           <a:p>
             <a:fld id="{D458313F-8A13-4A41-A8D7-31FB2FB074CF}" type="datetime1">
               <a:rPr lang="en-US" smtClean="0"/>
-              <a:t>12/5/2018</a:t>
+              <a:t>12/8/2018</a:t>
             </a:fld>
             <a:endParaRPr lang="en-US" dirty="0"/>
           </a:p>
@@ -23960,7 +23966,7 @@
           <a:p>
             <a:fld id="{87947146-9954-4458-9279-AA08A3B071CD}" type="datetime1">
               <a:rPr lang="en-US" smtClean="0"/>
-              <a:t>12/5/2018</a:t>
+              <a:t>12/8/2018</a:t>
             </a:fld>
             <a:endParaRPr lang="en-US" dirty="0"/>
           </a:p>
@@ -24372,7 +24378,7 @@
           <a:p>
             <a:fld id="{29509183-A3A4-4971-BEBF-1DCDFEAEA734}" type="datetime1">
               <a:rPr lang="en-US" smtClean="0"/>
-              <a:t>12/5/2018</a:t>
+              <a:t>12/8/2018</a:t>
             </a:fld>
             <a:endParaRPr lang="en-US" dirty="0"/>
           </a:p>
@@ -24721,7 +24727,7 @@
           <a:p>
             <a:fld id="{7C6C5538-3BC1-4274-BECE-326EC075782F}" type="datetime1">
               <a:rPr lang="en-US" smtClean="0"/>
-              <a:t>12/5/2018</a:t>
+              <a:t>12/8/2018</a:t>
             </a:fld>
             <a:endParaRPr lang="en-US" dirty="0"/>
           </a:p>
@@ -25039,7 +25045,7 @@
           <a:p>
             <a:fld id="{72C7141F-1075-416F-B85B-2A67B4DBA6BF}" type="datetime1">
               <a:rPr lang="en-US" smtClean="0"/>
-              <a:t>12/5/2018</a:t>
+              <a:t>12/8/2018</a:t>
             </a:fld>
             <a:endParaRPr lang="en-US" dirty="0"/>
           </a:p>
@@ -26306,7 +26312,7 @@
           <a:lstStyle/>
           <a:p>
             <a:r>
-              <a:rPr lang="en-US" smtClean="0"/>
+              <a:rPr lang="en-US"/>
               <a:t>Click to edit Master title style</a:t>
             </a:r>
             <a:endParaRPr lang="en-US" dirty="0"/>
@@ -26340,35 +26346,35 @@
           <a:p>
             <a:pPr lvl="0"/>
             <a:r>
-              <a:rPr lang="en-US" smtClean="0"/>
+              <a:rPr lang="en-US"/>
               <a:t>Edit Master text styles</a:t>
             </a:r>
           </a:p>
           <a:p>
             <a:pPr lvl="1"/>
             <a:r>
-              <a:rPr lang="en-US" smtClean="0"/>
+              <a:rPr lang="en-US"/>
               <a:t>Second level</a:t>
             </a:r>
           </a:p>
           <a:p>
             <a:pPr lvl="2"/>
             <a:r>
-              <a:rPr lang="en-US" smtClean="0"/>
+              <a:rPr lang="en-US"/>
               <a:t>Third level</a:t>
             </a:r>
           </a:p>
           <a:p>
             <a:pPr lvl="3"/>
             <a:r>
-              <a:rPr lang="en-US" smtClean="0"/>
+              <a:rPr lang="en-US"/>
               <a:t>Fourth level</a:t>
             </a:r>
           </a:p>
           <a:p>
             <a:pPr lvl="4"/>
             <a:r>
-              <a:rPr lang="en-US" smtClean="0"/>
+              <a:rPr lang="en-US"/>
               <a:t>Fifth level</a:t>
             </a:r>
             <a:endParaRPr lang="en-US" dirty="0"/>
@@ -26408,7 +26414,7 @@
           <a:p>
             <a:fld id="{72C7141F-1075-416F-B85B-2A67B4DBA6BF}" type="datetime1">
               <a:rPr lang="en-US" smtClean="0"/>
-              <a:t>12/5/2018</a:t>
+              <a:t>12/8/2018</a:t>
             </a:fld>
             <a:endParaRPr lang="en-US" dirty="0"/>
           </a:p>
@@ -26446,7 +26452,7 @@
           </a:lstStyle>
           <a:p>
             <a:r>
-              <a:rPr lang="en-US" smtClean="0"/>
+              <a:rPr lang="en-US"/>
               <a:t>© 2018 Cognizant</a:t>
             </a:r>
             <a:endParaRPr lang="en-US" dirty="0"/>
@@ -27107,7 +27113,13 @@
       </p:grpSpPr>
       <p:sp>
         <p:nvSpPr>
-          <p:cNvPr id="2" name="Title 1"/>
+          <p:cNvPr id="2" name="Title 1">
+            <a:extLst>
+              <a:ext uri="{FF2B5EF4-FFF2-40B4-BE49-F238E27FC236}">
+                <a16:creationId xmlns:a16="http://schemas.microsoft.com/office/drawing/2014/main" id="{554614E1-47BF-4421-8580-EC724A07D01F}"/>
+              </a:ext>
+            </a:extLst>
+          </p:cNvPr>
           <p:cNvSpPr>
             <a:spLocks noGrp="1"/>
           </p:cNvSpPr>
@@ -27115,27 +27127,37 @@
             <p:ph type="title"/>
           </p:nvPr>
         </p:nvSpPr>
-        <p:spPr/>
+        <p:spPr>
+          <a:xfrm>
+            <a:off x="675297" y="509679"/>
+            <a:ext cx="6571060" cy="530223"/>
+          </a:xfrm>
+        </p:spPr>
         <p:txBody>
           <a:bodyPr/>
           <a:lstStyle/>
           <a:p>
             <a:r>
-              <a:rPr lang="en-US" dirty="0" smtClean="0"/>
-              <a:t>Application security =&gt; Monitoring</a:t>
-            </a:r>
-            <a:endParaRPr lang="en-US" dirty="0"/>
-          </a:p>
-        </p:txBody>
-      </p:sp>
-      <p:sp>
-        <p:nvSpPr>
-          <p:cNvPr id="3" name="Content Placeholder 2"/>
-          <p:cNvSpPr>
-            <a:spLocks noGrp="1"/>
-          </p:cNvSpPr>
-          <p:nvPr>
-            <p:ph idx="1"/>
+              <a:rPr lang="en-US" dirty="0"/>
+              <a:t>Application Security =&gt; Web application</a:t>
+            </a:r>
+          </a:p>
+        </p:txBody>
+      </p:sp>
+      <p:sp>
+        <p:nvSpPr>
+          <p:cNvPr id="4" name="Footer Placeholder 3">
+            <a:extLst>
+              <a:ext uri="{FF2B5EF4-FFF2-40B4-BE49-F238E27FC236}">
+                <a16:creationId xmlns:a16="http://schemas.microsoft.com/office/drawing/2014/main" id="{60CB7369-1D01-4A13-9054-3AEC76EE3B21}"/>
+              </a:ext>
+            </a:extLst>
+          </p:cNvPr>
+          <p:cNvSpPr>
+            <a:spLocks noGrp="1"/>
+          </p:cNvSpPr>
+          <p:nvPr>
+            <p:ph type="ftr" sz="quarter" idx="11"/>
           </p:nvPr>
         </p:nvSpPr>
         <p:spPr/>
@@ -27143,27 +27165,8 @@
           <a:bodyPr/>
           <a:lstStyle/>
           <a:p>
-            <a:endParaRPr lang="en-US"/>
-          </a:p>
-        </p:txBody>
-      </p:sp>
-      <p:sp>
-        <p:nvSpPr>
-          <p:cNvPr id="4" name="Footer Placeholder 3"/>
-          <p:cNvSpPr>
-            <a:spLocks noGrp="1"/>
-          </p:cNvSpPr>
-          <p:nvPr>
-            <p:ph type="ftr" sz="quarter" idx="11"/>
-          </p:nvPr>
-        </p:nvSpPr>
-        <p:spPr/>
-        <p:txBody>
-          <a:bodyPr/>
-          <a:lstStyle/>
-          <a:p>
-            <a:r>
-              <a:rPr lang="en-US" smtClean="0"/>
+            <a:r>
+              <a:rPr lang="en-US"/>
               <a:t>© 2018 Cognizant</a:t>
             </a:r>
             <a:endParaRPr lang="en-US" dirty="0"/>
@@ -27172,7 +27175,13 @@
       </p:sp>
       <p:sp>
         <p:nvSpPr>
-          <p:cNvPr id="5" name="Slide Number Placeholder 4"/>
+          <p:cNvPr id="5" name="Slide Number Placeholder 4">
+            <a:extLst>
+              <a:ext uri="{FF2B5EF4-FFF2-40B4-BE49-F238E27FC236}">
+                <a16:creationId xmlns:a16="http://schemas.microsoft.com/office/drawing/2014/main" id="{B06785A2-AD2C-451C-811B-F7F760241A85}"/>
+              </a:ext>
+            </a:extLst>
+          </p:cNvPr>
           <p:cNvSpPr>
             <a:spLocks noGrp="1"/>
           </p:cNvSpPr>
@@ -27194,10 +27203,249 @@
           </a:p>
         </p:txBody>
       </p:sp>
+      <p:sp>
+        <p:nvSpPr>
+          <p:cNvPr id="6" name="Content Placeholder 2">
+            <a:extLst>
+              <a:ext uri="{FF2B5EF4-FFF2-40B4-BE49-F238E27FC236}">
+                <a16:creationId xmlns:a16="http://schemas.microsoft.com/office/drawing/2014/main" id="{AA9708B9-95F4-4704-84B8-9F47119B1B4B}"/>
+              </a:ext>
+            </a:extLst>
+          </p:cNvPr>
+          <p:cNvSpPr>
+            <a:spLocks noGrp="1"/>
+          </p:cNvSpPr>
+          <p:nvPr>
+            <p:ph idx="1"/>
+          </p:nvPr>
+        </p:nvSpPr>
+        <p:spPr>
+          <a:xfrm>
+            <a:off x="190920" y="1637881"/>
+            <a:ext cx="2110153" cy="3155998"/>
+          </a:xfrm>
+          <a:solidFill>
+            <a:schemeClr val="accent1">
+              <a:lumMod val="75000"/>
+            </a:schemeClr>
+          </a:solidFill>
+        </p:spPr>
+        <p:txBody>
+          <a:bodyPr/>
+          <a:lstStyle/>
+          <a:p>
+            <a:pPr marL="0" indent="0">
+              <a:buNone/>
+            </a:pPr>
+            <a:r>
+              <a:rPr lang="en-US" dirty="0">
+                <a:solidFill>
+                  <a:schemeClr val="bg1"/>
+                </a:solidFill>
+              </a:rPr>
+              <a:t>Transport level security</a:t>
+            </a:r>
+          </a:p>
+          <a:p>
+            <a:pPr marL="0" indent="0">
+              <a:buNone/>
+            </a:pPr>
+            <a:r>
+              <a:rPr lang="en-US" dirty="0">
+                <a:solidFill>
+                  <a:schemeClr val="bg1"/>
+                </a:solidFill>
+              </a:rPr>
+              <a:t>Requirements</a:t>
+            </a:r>
+          </a:p>
+          <a:p>
+            <a:pPr marL="342900" indent="-342900">
+              <a:buFont typeface="+mj-lt"/>
+              <a:buAutoNum type="arabicPeriod"/>
+            </a:pPr>
+            <a:r>
+              <a:rPr lang="en-US" dirty="0">
+                <a:solidFill>
+                  <a:schemeClr val="bg1"/>
+                </a:solidFill>
+              </a:rPr>
+              <a:t>Certificate stored in vault</a:t>
+            </a:r>
+          </a:p>
+        </p:txBody>
+      </p:sp>
+      <p:sp>
+        <p:nvSpPr>
+          <p:cNvPr id="7" name="TextBox 6">
+            <a:extLst>
+              <a:ext uri="{FF2B5EF4-FFF2-40B4-BE49-F238E27FC236}">
+                <a16:creationId xmlns:a16="http://schemas.microsoft.com/office/drawing/2014/main" id="{384F6C30-7EEC-441E-846A-AA777B6B4BD3}"/>
+              </a:ext>
+            </a:extLst>
+          </p:cNvPr>
+          <p:cNvSpPr txBox="1"/>
+          <p:nvPr/>
+        </p:nvSpPr>
+        <p:spPr>
+          <a:xfrm>
+            <a:off x="2301073" y="1657978"/>
+            <a:ext cx="6732395" cy="1569660"/>
+          </a:xfrm>
+          <a:prstGeom prst="rect">
+            <a:avLst/>
+          </a:prstGeom>
+          <a:noFill/>
+          <a:ln>
+            <a:solidFill>
+              <a:schemeClr val="accent1"/>
+            </a:solidFill>
+          </a:ln>
+        </p:spPr>
+        <p:txBody>
+          <a:bodyPr wrap="square" rtlCol="0">
+            <a:spAutoFit/>
+          </a:bodyPr>
+          <a:lstStyle/>
+          <a:p>
+            <a:pPr marL="285750" indent="-285750">
+              <a:buFont typeface="Arial" panose="020B0604020202020204" pitchFamily="34" charset="0"/>
+              <a:buChar char="•"/>
+            </a:pPr>
+            <a:r>
+              <a:rPr lang="en-US" sz="1600" dirty="0"/>
+              <a:t>The Certificate is stored in Vault, deployed out side K8s Cluster</a:t>
+            </a:r>
+          </a:p>
+          <a:p>
+            <a:pPr marL="285750" indent="-285750">
+              <a:buFont typeface="Arial" panose="020B0604020202020204" pitchFamily="34" charset="0"/>
+              <a:buChar char="•"/>
+            </a:pPr>
+            <a:r>
+              <a:rPr lang="en-US" sz="1600" dirty="0"/>
+              <a:t>For edge server like Kestrel, the path of the certificate is provided as Vault</a:t>
+            </a:r>
+          </a:p>
+          <a:p>
+            <a:pPr marL="285750" indent="-285750">
+              <a:buFont typeface="Arial" panose="020B0604020202020204" pitchFamily="34" charset="0"/>
+              <a:buChar char="•"/>
+            </a:pPr>
+            <a:r>
+              <a:rPr lang="en-US" sz="1600" dirty="0"/>
+              <a:t>Any secrets required for Vault are stored as K8s security</a:t>
+            </a:r>
+          </a:p>
+          <a:p>
+            <a:pPr marL="285750" indent="-285750">
+              <a:buFont typeface="Arial" panose="020B0604020202020204" pitchFamily="34" charset="0"/>
+              <a:buChar char="•"/>
+            </a:pPr>
+            <a:r>
+              <a:rPr lang="en-US" sz="1600" dirty="0"/>
+              <a:t>When certificate is to be rotated, then the new secret is placed in vault</a:t>
+            </a:r>
+          </a:p>
+        </p:txBody>
+      </p:sp>
+      <p:sp>
+        <p:nvSpPr>
+          <p:cNvPr id="8" name="Rectangle 7">
+            <a:extLst>
+              <a:ext uri="{FF2B5EF4-FFF2-40B4-BE49-F238E27FC236}">
+                <a16:creationId xmlns:a16="http://schemas.microsoft.com/office/drawing/2014/main" id="{A2CCBF0C-7F3A-4163-A4BF-856DDAEFA722}"/>
+              </a:ext>
+            </a:extLst>
+          </p:cNvPr>
+          <p:cNvSpPr/>
+          <p:nvPr/>
+        </p:nvSpPr>
+        <p:spPr>
+          <a:xfrm>
+            <a:off x="2301072" y="3155404"/>
+            <a:ext cx="6732395" cy="249442"/>
+          </a:xfrm>
+          <a:prstGeom prst="rect">
+            <a:avLst/>
+          </a:prstGeom>
+        </p:spPr>
+        <p:style>
+          <a:lnRef idx="2">
+            <a:schemeClr val="accent1">
+              <a:shade val="50000"/>
+            </a:schemeClr>
+          </a:lnRef>
+          <a:fillRef idx="1">
+            <a:schemeClr val="accent1"/>
+          </a:fillRef>
+          <a:effectRef idx="0">
+            <a:schemeClr val="accent1"/>
+          </a:effectRef>
+          <a:fontRef idx="minor">
+            <a:schemeClr val="lt1"/>
+          </a:fontRef>
+        </p:style>
+        <p:txBody>
+          <a:bodyPr rtlCol="0" anchor="ctr"/>
+          <a:lstStyle/>
+          <a:p>
+            <a:pPr algn="ctr"/>
+            <a:r>
+              <a:rPr lang="en-US" dirty="0"/>
+              <a:t>Disadvantage of approach </a:t>
+            </a:r>
+          </a:p>
+        </p:txBody>
+      </p:sp>
+      <p:sp>
+        <p:nvSpPr>
+          <p:cNvPr id="9" name="TextBox 8">
+            <a:extLst>
+              <a:ext uri="{FF2B5EF4-FFF2-40B4-BE49-F238E27FC236}">
+                <a16:creationId xmlns:a16="http://schemas.microsoft.com/office/drawing/2014/main" id="{EC0CEAF7-37CB-44C4-B874-68F9DBBAFE0B}"/>
+              </a:ext>
+            </a:extLst>
+          </p:cNvPr>
+          <p:cNvSpPr txBox="1"/>
+          <p:nvPr/>
+        </p:nvSpPr>
+        <p:spPr>
+          <a:xfrm>
+            <a:off x="2301073" y="3404846"/>
+            <a:ext cx="6732395" cy="646331"/>
+          </a:xfrm>
+          <a:prstGeom prst="rect">
+            <a:avLst/>
+          </a:prstGeom>
+          <a:noFill/>
+          <a:ln>
+            <a:solidFill>
+              <a:schemeClr val="accent1"/>
+            </a:solidFill>
+          </a:ln>
+        </p:spPr>
+        <p:txBody>
+          <a:bodyPr wrap="square" rtlCol="0">
+            <a:spAutoFit/>
+          </a:bodyPr>
+          <a:lstStyle/>
+          <a:p>
+            <a:pPr marL="285750" indent="-285750">
+              <a:buFont typeface="Arial" panose="020B0604020202020204" pitchFamily="34" charset="0"/>
+              <a:buChar char="•"/>
+            </a:pPr>
+            <a:r>
+              <a:rPr lang="en-US" dirty="0"/>
+              <a:t>During the certificate rotation we need to re-start the server</a:t>
+            </a:r>
+          </a:p>
+        </p:txBody>
+      </p:sp>
     </p:spTree>
     <p:extLst>
       <p:ext uri="{BB962C8B-B14F-4D97-AF65-F5344CB8AC3E}">
-        <p14:creationId xmlns:p14="http://schemas.microsoft.com/office/powerpoint/2010/main" val="1625541346"/>
+        <p14:creationId xmlns:p14="http://schemas.microsoft.com/office/powerpoint/2010/main" val="4235338570"/>
       </p:ext>
     </p:extLst>
   </p:cSld>
@@ -27229,7 +27477,7 @@
           <p:cNvPr id="2" name="Title 1">
             <a:extLst>
               <a:ext uri="{FF2B5EF4-FFF2-40B4-BE49-F238E27FC236}">
-                <a16:creationId xmlns:a16="http://schemas.microsoft.com/office/drawing/2014/main" id="{C073F02F-0FF8-5F48-A3B5-BD2FAC46DF68}"/>
+                <a16:creationId xmlns:a16="http://schemas.microsoft.com/office/drawing/2014/main" id="{B9A485F7-8AF8-4D4F-BC06-8C78AFE16AE0}"/>
               </a:ext>
             </a:extLst>
           </p:cNvPr>
@@ -27242,21 +27490,18 @@
         </p:nvSpPr>
         <p:spPr>
           <a:xfrm>
-            <a:off x="384048" y="323556"/>
-            <a:ext cx="8385048" cy="356616"/>
+            <a:off x="750945" y="532450"/>
+            <a:ext cx="6571060" cy="530223"/>
           </a:xfrm>
         </p:spPr>
         <p:txBody>
-          <a:bodyPr>
-            <a:noAutofit/>
-          </a:bodyPr>
+          <a:bodyPr/>
           <a:lstStyle/>
           <a:p>
             <a:r>
-              <a:rPr lang="en-US" dirty="0" smtClean="0"/>
-              <a:t>Pipeline</a:t>
-            </a:r>
-            <a:endParaRPr lang="en-US" sz="1800" dirty="0"/>
+              <a:rPr lang="en-US" dirty="0"/>
+              <a:t>Application Security =&gt; Web application</a:t>
+            </a:r>
           </a:p>
         </p:txBody>
       </p:sp>
@@ -27265,7 +27510,7 @@
           <p:cNvPr id="4" name="Footer Placeholder 3">
             <a:extLst>
               <a:ext uri="{FF2B5EF4-FFF2-40B4-BE49-F238E27FC236}">
-                <a16:creationId xmlns:a16="http://schemas.microsoft.com/office/drawing/2014/main" id="{C4CA02B9-9654-5E4F-A0B6-DCEBD38B0A94}"/>
+                <a16:creationId xmlns:a16="http://schemas.microsoft.com/office/drawing/2014/main" id="{A910A502-7121-449A-885F-004A6433282A}"/>
               </a:ext>
             </a:extLst>
           </p:cNvPr>
@@ -27294,7 +27539,7 @@
           <p:cNvPr id="5" name="Slide Number Placeholder 4">
             <a:extLst>
               <a:ext uri="{FF2B5EF4-FFF2-40B4-BE49-F238E27FC236}">
-                <a16:creationId xmlns:a16="http://schemas.microsoft.com/office/drawing/2014/main" id="{8679B95B-026A-DF4D-A7D1-AA5D2389088F}"/>
+                <a16:creationId xmlns:a16="http://schemas.microsoft.com/office/drawing/2014/main" id="{10E31545-46E3-4898-925D-D132FE3C08AB}"/>
               </a:ext>
             </a:extLst>
           </p:cNvPr>
@@ -27319,10 +27564,276 @@
           </a:p>
         </p:txBody>
       </p:sp>
+      <p:sp>
+        <p:nvSpPr>
+          <p:cNvPr id="6" name="Content Placeholder 2">
+            <a:extLst>
+              <a:ext uri="{FF2B5EF4-FFF2-40B4-BE49-F238E27FC236}">
+                <a16:creationId xmlns:a16="http://schemas.microsoft.com/office/drawing/2014/main" id="{9B874BF9-2F30-4037-82EE-6E281046F4BD}"/>
+              </a:ext>
+            </a:extLst>
+          </p:cNvPr>
+          <p:cNvSpPr>
+            <a:spLocks noGrp="1"/>
+          </p:cNvSpPr>
+          <p:nvPr>
+            <p:ph idx="1"/>
+          </p:nvPr>
+        </p:nvSpPr>
+        <p:spPr>
+          <a:xfrm>
+            <a:off x="110533" y="1637881"/>
+            <a:ext cx="2110153" cy="3155998"/>
+          </a:xfrm>
+          <a:solidFill>
+            <a:schemeClr val="accent1">
+              <a:lumMod val="75000"/>
+            </a:schemeClr>
+          </a:solidFill>
+        </p:spPr>
+        <p:txBody>
+          <a:bodyPr/>
+          <a:lstStyle/>
+          <a:p>
+            <a:pPr marL="0" indent="0">
+              <a:buNone/>
+            </a:pPr>
+            <a:r>
+              <a:rPr lang="en-US" dirty="0">
+                <a:solidFill>
+                  <a:schemeClr val="bg1"/>
+                </a:solidFill>
+              </a:rPr>
+              <a:t>Transport level security</a:t>
+            </a:r>
+          </a:p>
+          <a:p>
+            <a:pPr marL="0" indent="0">
+              <a:buNone/>
+            </a:pPr>
+            <a:r>
+              <a:rPr lang="en-US" dirty="0">
+                <a:solidFill>
+                  <a:schemeClr val="bg1"/>
+                </a:solidFill>
+              </a:rPr>
+              <a:t>Requirements</a:t>
+            </a:r>
+          </a:p>
+          <a:p>
+            <a:pPr marL="342900" indent="-342900">
+              <a:buFont typeface="+mj-lt"/>
+              <a:buAutoNum type="arabicPeriod"/>
+            </a:pPr>
+            <a:r>
+              <a:rPr lang="en-US" dirty="0">
+                <a:solidFill>
+                  <a:schemeClr val="bg1"/>
+                </a:solidFill>
+              </a:rPr>
+              <a:t>Certificate from mounted volumes</a:t>
+            </a:r>
+          </a:p>
+        </p:txBody>
+      </p:sp>
+      <p:sp>
+        <p:nvSpPr>
+          <p:cNvPr id="7" name="TextBox 6">
+            <a:extLst>
+              <a:ext uri="{FF2B5EF4-FFF2-40B4-BE49-F238E27FC236}">
+                <a16:creationId xmlns:a16="http://schemas.microsoft.com/office/drawing/2014/main" id="{6F80A491-E75D-4C6A-A8E3-6E3107FFB4DB}"/>
+              </a:ext>
+            </a:extLst>
+          </p:cNvPr>
+          <p:cNvSpPr txBox="1"/>
+          <p:nvPr/>
+        </p:nvSpPr>
+        <p:spPr>
+          <a:xfrm>
+            <a:off x="2301073" y="1696911"/>
+            <a:ext cx="6732395" cy="1169551"/>
+          </a:xfrm>
+          <a:prstGeom prst="rect">
+            <a:avLst/>
+          </a:prstGeom>
+          <a:noFill/>
+          <a:ln>
+            <a:solidFill>
+              <a:schemeClr val="accent1"/>
+            </a:solidFill>
+          </a:ln>
+        </p:spPr>
+        <p:txBody>
+          <a:bodyPr wrap="square" rtlCol="0">
+            <a:spAutoFit/>
+          </a:bodyPr>
+          <a:lstStyle/>
+          <a:p>
+            <a:pPr marL="285750" indent="-285750">
+              <a:buFont typeface="Arial" panose="020B0604020202020204" pitchFamily="34" charset="0"/>
+              <a:buChar char="•"/>
+            </a:pPr>
+            <a:r>
+              <a:rPr lang="en-US" sz="1400" dirty="0"/>
+              <a:t>The Certificate is stored in mounted volume, stored out side K8s Cluster</a:t>
+            </a:r>
+          </a:p>
+          <a:p>
+            <a:pPr marL="285750" indent="-285750">
+              <a:buFont typeface="Arial" panose="020B0604020202020204" pitchFamily="34" charset="0"/>
+              <a:buChar char="•"/>
+            </a:pPr>
+            <a:r>
+              <a:rPr lang="en-US" sz="1400" dirty="0"/>
+              <a:t>For edge server like Kestrel, the path of the certificate is provided as path inside image</a:t>
+            </a:r>
+          </a:p>
+          <a:p>
+            <a:pPr marL="285750" indent="-285750">
+              <a:buFont typeface="Arial" panose="020B0604020202020204" pitchFamily="34" charset="0"/>
+              <a:buChar char="•"/>
+            </a:pPr>
+            <a:r>
+              <a:rPr lang="en-US" sz="1400" dirty="0"/>
+              <a:t>When certificate is to be rotated, then the new secret is placed in volume</a:t>
+            </a:r>
+          </a:p>
+        </p:txBody>
+      </p:sp>
+      <p:sp>
+        <p:nvSpPr>
+          <p:cNvPr id="8" name="Rectangle 7">
+            <a:extLst>
+              <a:ext uri="{FF2B5EF4-FFF2-40B4-BE49-F238E27FC236}">
+                <a16:creationId xmlns:a16="http://schemas.microsoft.com/office/drawing/2014/main" id="{2661A775-4EB5-485F-9387-10FB9BED00C5}"/>
+              </a:ext>
+            </a:extLst>
+          </p:cNvPr>
+          <p:cNvSpPr/>
+          <p:nvPr/>
+        </p:nvSpPr>
+        <p:spPr>
+          <a:xfrm>
+            <a:off x="2301073" y="2841717"/>
+            <a:ext cx="6732395" cy="249442"/>
+          </a:xfrm>
+          <a:prstGeom prst="rect">
+            <a:avLst/>
+          </a:prstGeom>
+        </p:spPr>
+        <p:style>
+          <a:lnRef idx="2">
+            <a:schemeClr val="accent1">
+              <a:shade val="50000"/>
+            </a:schemeClr>
+          </a:lnRef>
+          <a:fillRef idx="1">
+            <a:schemeClr val="accent1"/>
+          </a:fillRef>
+          <a:effectRef idx="0">
+            <a:schemeClr val="accent1"/>
+          </a:effectRef>
+          <a:fontRef idx="minor">
+            <a:schemeClr val="lt1"/>
+          </a:fontRef>
+        </p:style>
+        <p:txBody>
+          <a:bodyPr rtlCol="0" anchor="ctr"/>
+          <a:lstStyle/>
+          <a:p>
+            <a:pPr algn="ctr"/>
+            <a:r>
+              <a:rPr lang="en-US" dirty="0"/>
+              <a:t>Disadvantage of approach </a:t>
+            </a:r>
+          </a:p>
+        </p:txBody>
+      </p:sp>
+      <p:sp>
+        <p:nvSpPr>
+          <p:cNvPr id="9" name="TextBox 8">
+            <a:extLst>
+              <a:ext uri="{FF2B5EF4-FFF2-40B4-BE49-F238E27FC236}">
+                <a16:creationId xmlns:a16="http://schemas.microsoft.com/office/drawing/2014/main" id="{69B6D698-AA41-4740-9B9B-A70C966786AE}"/>
+              </a:ext>
+            </a:extLst>
+          </p:cNvPr>
+          <p:cNvSpPr txBox="1"/>
+          <p:nvPr/>
+        </p:nvSpPr>
+        <p:spPr>
+          <a:xfrm>
+            <a:off x="2301072" y="3133046"/>
+            <a:ext cx="6732395" cy="1815882"/>
+          </a:xfrm>
+          <a:prstGeom prst="rect">
+            <a:avLst/>
+          </a:prstGeom>
+          <a:noFill/>
+          <a:ln>
+            <a:solidFill>
+              <a:schemeClr val="accent1"/>
+            </a:solidFill>
+          </a:ln>
+        </p:spPr>
+        <p:txBody>
+          <a:bodyPr wrap="square" rtlCol="0">
+            <a:spAutoFit/>
+          </a:bodyPr>
+          <a:lstStyle/>
+          <a:p>
+            <a:pPr marL="285750" indent="-285750">
+              <a:buFont typeface="Arial" panose="020B0604020202020204" pitchFamily="34" charset="0"/>
+              <a:buChar char="•"/>
+            </a:pPr>
+            <a:r>
+              <a:rPr lang="en-US" sz="1400" dirty="0"/>
+              <a:t>The container needs to run an elevated privilege that can access the volume. So any malicious code, in pretext of accessing certificate can get undue advantage of volume</a:t>
+            </a:r>
+          </a:p>
+          <a:p>
+            <a:pPr marL="285750" indent="-285750">
+              <a:buFont typeface="Arial" panose="020B0604020202020204" pitchFamily="34" charset="0"/>
+              <a:buChar char="•"/>
+            </a:pPr>
+            <a:r>
+              <a:rPr lang="en-US" sz="1400" dirty="0"/>
+              <a:t>This is would make Day 2 operation difficult</a:t>
+            </a:r>
+          </a:p>
+          <a:p>
+            <a:pPr marL="285750" indent="-285750">
+              <a:buFont typeface="Arial" panose="020B0604020202020204" pitchFamily="34" charset="0"/>
+              <a:buChar char="•"/>
+            </a:pPr>
+            <a:r>
+              <a:rPr lang="en-US" sz="1400" dirty="0"/>
+              <a:t>When credential are changed for volume then the credentials need to re-injected into container</a:t>
+            </a:r>
+          </a:p>
+          <a:p>
+            <a:pPr marL="285750" indent="-285750">
+              <a:buFont typeface="Arial" panose="020B0604020202020204" pitchFamily="34" charset="0"/>
+              <a:buChar char="•"/>
+            </a:pPr>
+            <a:r>
+              <a:rPr lang="en-US" sz="1400" dirty="0"/>
+              <a:t>Owing to an insider attack the certificate can leak</a:t>
+            </a:r>
+          </a:p>
+          <a:p>
+            <a:pPr marL="285750" indent="-285750">
+              <a:buFont typeface="Arial" panose="020B0604020202020204" pitchFamily="34" charset="0"/>
+              <a:buChar char="•"/>
+            </a:pPr>
+            <a:endParaRPr lang="en-US" sz="1400" dirty="0"/>
+          </a:p>
+        </p:txBody>
+      </p:sp>
     </p:spTree>
     <p:extLst>
       <p:ext uri="{BB962C8B-B14F-4D97-AF65-F5344CB8AC3E}">
-        <p14:creationId xmlns:p14="http://schemas.microsoft.com/office/powerpoint/2010/main" val="2651978824"/>
+        <p14:creationId xmlns:p14="http://schemas.microsoft.com/office/powerpoint/2010/main" val="2622027206"/>
       </p:ext>
     </p:extLst>
   </p:cSld>
@@ -27351,10 +27862,10 @@
       </p:grpSpPr>
       <p:sp>
         <p:nvSpPr>
-          <p:cNvPr id="6" name="Title 5">
+          <p:cNvPr id="2" name="Title 1">
             <a:extLst>
               <a:ext uri="{FF2B5EF4-FFF2-40B4-BE49-F238E27FC236}">
-                <a16:creationId xmlns:a16="http://schemas.microsoft.com/office/drawing/2014/main" id="{68B7C40E-6851-F64E-95B8-A2204BFCD698}"/>
+                <a16:creationId xmlns:a16="http://schemas.microsoft.com/office/drawing/2014/main" id="{0C956BC1-4595-4D02-BE6A-B968133DBB6C}"/>
               </a:ext>
             </a:extLst>
           </p:cNvPr>
@@ -27371,10 +27882,9 @@
           <a:lstStyle/>
           <a:p>
             <a:r>
-              <a:rPr lang="en-US" dirty="0" smtClean="0"/>
-              <a:t>Image registry</a:t>
-            </a:r>
-            <a:endParaRPr lang="en-US" dirty="0"/>
+              <a:rPr lang="en-US" dirty="0"/>
+              <a:t>Application Security =&gt; Web application</a:t>
+            </a:r>
           </a:p>
         </p:txBody>
       </p:sp>
@@ -27383,7 +27893,7 @@
           <p:cNvPr id="4" name="Footer Placeholder 3">
             <a:extLst>
               <a:ext uri="{FF2B5EF4-FFF2-40B4-BE49-F238E27FC236}">
-                <a16:creationId xmlns:a16="http://schemas.microsoft.com/office/drawing/2014/main" id="{C4CA02B9-9654-5E4F-A0B6-DCEBD38B0A94}"/>
+                <a16:creationId xmlns:a16="http://schemas.microsoft.com/office/drawing/2014/main" id="{12A73C45-297A-4F1C-8828-56A71329D42F}"/>
               </a:ext>
             </a:extLst>
           </p:cNvPr>
@@ -27412,7 +27922,7 @@
           <p:cNvPr id="5" name="Slide Number Placeholder 4">
             <a:extLst>
               <a:ext uri="{FF2B5EF4-FFF2-40B4-BE49-F238E27FC236}">
-                <a16:creationId xmlns:a16="http://schemas.microsoft.com/office/drawing/2014/main" id="{8679B95B-026A-DF4D-A7D1-AA5D2389088F}"/>
+                <a16:creationId xmlns:a16="http://schemas.microsoft.com/office/drawing/2014/main" id="{077ECAB9-57FA-4656-AACB-6834CE5F0266}"/>
               </a:ext>
             </a:extLst>
           </p:cNvPr>
@@ -27437,10 +27947,176 @@
           </a:p>
         </p:txBody>
       </p:sp>
+      <p:sp>
+        <p:nvSpPr>
+          <p:cNvPr id="6" name="Content Placeholder 2">
+            <a:extLst>
+              <a:ext uri="{FF2B5EF4-FFF2-40B4-BE49-F238E27FC236}">
+                <a16:creationId xmlns:a16="http://schemas.microsoft.com/office/drawing/2014/main" id="{CFB3D160-BE78-4490-9ADB-22464365158A}"/>
+              </a:ext>
+            </a:extLst>
+          </p:cNvPr>
+          <p:cNvSpPr>
+            <a:spLocks noGrp="1"/>
+          </p:cNvSpPr>
+          <p:nvPr>
+            <p:ph idx="1"/>
+          </p:nvPr>
+        </p:nvSpPr>
+        <p:spPr>
+          <a:xfrm>
+            <a:off x="110533" y="1637881"/>
+            <a:ext cx="2110153" cy="3155998"/>
+          </a:xfrm>
+          <a:solidFill>
+            <a:schemeClr val="accent1">
+              <a:lumMod val="75000"/>
+            </a:schemeClr>
+          </a:solidFill>
+        </p:spPr>
+        <p:txBody>
+          <a:bodyPr/>
+          <a:lstStyle/>
+          <a:p>
+            <a:pPr marL="0" indent="0">
+              <a:buNone/>
+            </a:pPr>
+            <a:r>
+              <a:rPr lang="en-US" dirty="0">
+                <a:solidFill>
+                  <a:schemeClr val="bg1"/>
+                </a:solidFill>
+              </a:rPr>
+              <a:t>Transport level security</a:t>
+            </a:r>
+          </a:p>
+          <a:p>
+            <a:pPr marL="0" indent="0">
+              <a:buNone/>
+            </a:pPr>
+            <a:r>
+              <a:rPr lang="en-US" dirty="0">
+                <a:solidFill>
+                  <a:schemeClr val="bg1"/>
+                </a:solidFill>
+              </a:rPr>
+              <a:t>Requirements</a:t>
+            </a:r>
+          </a:p>
+          <a:p>
+            <a:pPr marL="342900" indent="-342900">
+              <a:buFont typeface="+mj-lt"/>
+              <a:buAutoNum type="arabicPeriod"/>
+            </a:pPr>
+            <a:r>
+              <a:rPr lang="en-US" dirty="0">
+                <a:solidFill>
+                  <a:schemeClr val="bg1"/>
+                </a:solidFill>
+              </a:rPr>
+              <a:t>Service Mesh for certificate rotation</a:t>
+            </a:r>
+          </a:p>
+        </p:txBody>
+      </p:sp>
+      <p:sp>
+        <p:nvSpPr>
+          <p:cNvPr id="7" name="TextBox 6">
+            <a:extLst>
+              <a:ext uri="{FF2B5EF4-FFF2-40B4-BE49-F238E27FC236}">
+                <a16:creationId xmlns:a16="http://schemas.microsoft.com/office/drawing/2014/main" id="{5F4B8FF1-8E30-4105-9C9F-2521A6396B3A}"/>
+              </a:ext>
+            </a:extLst>
+          </p:cNvPr>
+          <p:cNvSpPr txBox="1"/>
+          <p:nvPr/>
+        </p:nvSpPr>
+        <p:spPr>
+          <a:xfrm>
+            <a:off x="2301073" y="1696911"/>
+            <a:ext cx="6732395" cy="1815882"/>
+          </a:xfrm>
+          <a:prstGeom prst="rect">
+            <a:avLst/>
+          </a:prstGeom>
+          <a:noFill/>
+          <a:ln>
+            <a:solidFill>
+              <a:schemeClr val="accent1"/>
+            </a:solidFill>
+          </a:ln>
+        </p:spPr>
+        <p:txBody>
+          <a:bodyPr wrap="square" rtlCol="0">
+            <a:spAutoFit/>
+          </a:bodyPr>
+          <a:lstStyle/>
+          <a:p>
+            <a:pPr marL="285750" indent="-285750">
+              <a:buFont typeface="Arial" panose="020B0604020202020204" pitchFamily="34" charset="0"/>
+              <a:buChar char="•"/>
+            </a:pPr>
+            <a:r>
+              <a:rPr lang="en-US" sz="1400" dirty="0"/>
+              <a:t>The certificate is generated by the Service Mesh</a:t>
+            </a:r>
+          </a:p>
+          <a:p>
+            <a:pPr marL="285750" indent="-285750">
+              <a:buFont typeface="Arial" panose="020B0604020202020204" pitchFamily="34" charset="0"/>
+              <a:buChar char="•"/>
+            </a:pPr>
+            <a:r>
+              <a:rPr lang="en-US" sz="1400" dirty="0"/>
+              <a:t>The components (like citadel) handles these facility</a:t>
+            </a:r>
+          </a:p>
+          <a:p>
+            <a:pPr marL="285750" indent="-285750">
+              <a:buFont typeface="Arial" panose="020B0604020202020204" pitchFamily="34" charset="0"/>
+              <a:buChar char="•"/>
+            </a:pPr>
+            <a:r>
+              <a:rPr lang="en-US" sz="1400" dirty="0"/>
+              <a:t>These are then sent to the service Mesh propagation component (like Mixer)</a:t>
+            </a:r>
+          </a:p>
+          <a:p>
+            <a:pPr marL="285750" indent="-285750">
+              <a:buFont typeface="Arial" panose="020B0604020202020204" pitchFamily="34" charset="0"/>
+              <a:buChar char="•"/>
+            </a:pPr>
+            <a:r>
+              <a:rPr lang="en-US" sz="1400" dirty="0"/>
+              <a:t>The details are sent to proxy (envoy) which handles all request and application is safe</a:t>
+            </a:r>
+          </a:p>
+          <a:p>
+            <a:pPr marL="285750" indent="-285750">
+              <a:buFont typeface="Arial" panose="020B0604020202020204" pitchFamily="34" charset="0"/>
+              <a:buChar char="•"/>
+            </a:pPr>
+            <a:r>
+              <a:rPr lang="en-US" sz="1400" dirty="0"/>
+              <a:t>The application is not coupled certificate loading code</a:t>
+            </a:r>
+          </a:p>
+          <a:p>
+            <a:pPr marL="285750" indent="-285750">
+              <a:buFont typeface="Arial" panose="020B0604020202020204" pitchFamily="34" charset="0"/>
+              <a:buChar char="•"/>
+            </a:pPr>
+            <a:r>
+              <a:rPr lang="en-US" sz="1400" dirty="0"/>
+              <a:t>No application re-start or container re-creation are not required</a:t>
+            </a:r>
+          </a:p>
+        </p:txBody>
+      </p:sp>
     </p:spTree>
     <p:extLst>
       <p:ext uri="{BB962C8B-B14F-4D97-AF65-F5344CB8AC3E}">
-        <p14:creationId xmlns:p14="http://schemas.microsoft.com/office/powerpoint/2010/main" val="2214910997"/>
+        <p14:creationId xmlns:p14="http://schemas.microsoft.com/office/powerpoint/2010/main" val="927983331"/>
       </p:ext>
     </p:extLst>
   </p:cSld>
@@ -27472,7 +28148,7 @@
           <p:cNvPr id="2" name="Title 1">
             <a:extLst>
               <a:ext uri="{FF2B5EF4-FFF2-40B4-BE49-F238E27FC236}">
-                <a16:creationId xmlns:a16="http://schemas.microsoft.com/office/drawing/2014/main" id="{C073F02F-0FF8-5F48-A3B5-BD2FAC46DF68}"/>
+                <a16:creationId xmlns:a16="http://schemas.microsoft.com/office/drawing/2014/main" id="{E81D282A-3E63-4ABA-B701-B994B77C3F16}"/>
               </a:ext>
             </a:extLst>
           </p:cNvPr>
@@ -27483,23 +28159,15 @@
             <p:ph type="title"/>
           </p:nvPr>
         </p:nvSpPr>
-        <p:spPr>
-          <a:xfrm>
-            <a:off x="384048" y="323556"/>
-            <a:ext cx="8385048" cy="356616"/>
-          </a:xfrm>
-        </p:spPr>
-        <p:txBody>
-          <a:bodyPr>
-            <a:noAutofit/>
-          </a:bodyPr>
+        <p:spPr/>
+        <p:txBody>
+          <a:bodyPr/>
           <a:lstStyle/>
           <a:p>
             <a:r>
-              <a:rPr lang="en-US" dirty="0" smtClean="0"/>
-              <a:t>Runtime</a:t>
-            </a:r>
-            <a:endParaRPr lang="en-US" sz="1800" dirty="0"/>
+              <a:rPr lang="en-US" dirty="0"/>
+              <a:t>Application security=&gt;Opiniated Architecture</a:t>
+            </a:r>
           </a:p>
         </p:txBody>
       </p:sp>
@@ -27508,7 +28176,7 @@
           <p:cNvPr id="4" name="Footer Placeholder 3">
             <a:extLst>
               <a:ext uri="{FF2B5EF4-FFF2-40B4-BE49-F238E27FC236}">
-                <a16:creationId xmlns:a16="http://schemas.microsoft.com/office/drawing/2014/main" id="{C4CA02B9-9654-5E4F-A0B6-DCEBD38B0A94}"/>
+                <a16:creationId xmlns:a16="http://schemas.microsoft.com/office/drawing/2014/main" id="{99CF3B36-917C-4B3D-BC50-7D7BA870D4B8}"/>
               </a:ext>
             </a:extLst>
           </p:cNvPr>
@@ -27537,7 +28205,7 @@
           <p:cNvPr id="5" name="Slide Number Placeholder 4">
             <a:extLst>
               <a:ext uri="{FF2B5EF4-FFF2-40B4-BE49-F238E27FC236}">
-                <a16:creationId xmlns:a16="http://schemas.microsoft.com/office/drawing/2014/main" id="{8679B95B-026A-DF4D-A7D1-AA5D2389088F}"/>
+                <a16:creationId xmlns:a16="http://schemas.microsoft.com/office/drawing/2014/main" id="{F5F7DD56-79F3-4819-BB64-378ACF7941EE}"/>
               </a:ext>
             </a:extLst>
           </p:cNvPr>
@@ -27562,10 +28230,673 @@
           </a:p>
         </p:txBody>
       </p:sp>
+      <p:sp>
+        <p:nvSpPr>
+          <p:cNvPr id="6" name="Rectangle 5">
+            <a:extLst>
+              <a:ext uri="{FF2B5EF4-FFF2-40B4-BE49-F238E27FC236}">
+                <a16:creationId xmlns:a16="http://schemas.microsoft.com/office/drawing/2014/main" id="{F4488BDF-5A5C-4554-9B24-BD6C0D9F81C2}"/>
+              </a:ext>
+            </a:extLst>
+          </p:cNvPr>
+          <p:cNvSpPr/>
+          <p:nvPr/>
+        </p:nvSpPr>
+        <p:spPr>
+          <a:xfrm>
+            <a:off x="1486183" y="3724991"/>
+            <a:ext cx="943897" cy="491613"/>
+          </a:xfrm>
+          <a:prstGeom prst="rect">
+            <a:avLst/>
+          </a:prstGeom>
+          <a:solidFill>
+            <a:schemeClr val="bg1">
+              <a:lumMod val="85000"/>
+            </a:schemeClr>
+          </a:solidFill>
+          <a:ln>
+            <a:noFill/>
+          </a:ln>
+          <a:effectLst/>
+        </p:spPr>
+        <p:style>
+          <a:lnRef idx="1">
+            <a:schemeClr val="accent1"/>
+          </a:lnRef>
+          <a:fillRef idx="3">
+            <a:schemeClr val="accent1"/>
+          </a:fillRef>
+          <a:effectRef idx="2">
+            <a:schemeClr val="accent1"/>
+          </a:effectRef>
+          <a:fontRef idx="minor">
+            <a:schemeClr val="lt1"/>
+          </a:fontRef>
+        </p:style>
+        <p:txBody>
+          <a:bodyPr rtlCol="0" anchor="ctr"/>
+          <a:lstStyle/>
+          <a:p>
+            <a:pPr algn="ctr"/>
+            <a:r>
+              <a:rPr lang="en-US" dirty="0">
+                <a:solidFill>
+                  <a:schemeClr val="tx1"/>
+                </a:solidFill>
+              </a:rPr>
+              <a:t>User</a:t>
+            </a:r>
+          </a:p>
+        </p:txBody>
+      </p:sp>
+      <p:sp>
+        <p:nvSpPr>
+          <p:cNvPr id="7" name="Rectangle 6">
+            <a:extLst>
+              <a:ext uri="{FF2B5EF4-FFF2-40B4-BE49-F238E27FC236}">
+                <a16:creationId xmlns:a16="http://schemas.microsoft.com/office/drawing/2014/main" id="{6AEE98FA-C183-41B9-A238-A4D0CD5C78B2}"/>
+              </a:ext>
+            </a:extLst>
+          </p:cNvPr>
+          <p:cNvSpPr/>
+          <p:nvPr/>
+        </p:nvSpPr>
+        <p:spPr>
+          <a:xfrm>
+            <a:off x="2567731" y="2021097"/>
+            <a:ext cx="3470787" cy="838210"/>
+          </a:xfrm>
+          <a:prstGeom prst="rect">
+            <a:avLst/>
+          </a:prstGeom>
+          <a:solidFill>
+            <a:schemeClr val="bg1">
+              <a:lumMod val="85000"/>
+            </a:schemeClr>
+          </a:solidFill>
+          <a:ln>
+            <a:noFill/>
+          </a:ln>
+          <a:effectLst/>
+        </p:spPr>
+        <p:style>
+          <a:lnRef idx="1">
+            <a:schemeClr val="accent1"/>
+          </a:lnRef>
+          <a:fillRef idx="3">
+            <a:schemeClr val="accent1"/>
+          </a:fillRef>
+          <a:effectRef idx="2">
+            <a:schemeClr val="accent1"/>
+          </a:effectRef>
+          <a:fontRef idx="minor">
+            <a:schemeClr val="lt1"/>
+          </a:fontRef>
+        </p:style>
+        <p:txBody>
+          <a:bodyPr rtlCol="0" anchor="t"/>
+          <a:lstStyle/>
+          <a:p>
+            <a:pPr algn="ctr"/>
+            <a:r>
+              <a:rPr lang="en-US" dirty="0" err="1"/>
+              <a:t>Istio</a:t>
+            </a:r>
+            <a:r>
+              <a:rPr lang="en-US" dirty="0"/>
+              <a:t> (control plane)</a:t>
+            </a:r>
+          </a:p>
+        </p:txBody>
+      </p:sp>
+      <p:sp>
+        <p:nvSpPr>
+          <p:cNvPr id="8" name="Rounded Rectangle 8">
+            <a:extLst>
+              <a:ext uri="{FF2B5EF4-FFF2-40B4-BE49-F238E27FC236}">
+                <a16:creationId xmlns:a16="http://schemas.microsoft.com/office/drawing/2014/main" id="{D50B6FEC-4C92-45A3-AB9E-C36C07AF3E1D}"/>
+              </a:ext>
+            </a:extLst>
+          </p:cNvPr>
+          <p:cNvSpPr/>
+          <p:nvPr/>
+        </p:nvSpPr>
+        <p:spPr>
+          <a:xfrm>
+            <a:off x="2695554" y="2371964"/>
+            <a:ext cx="993056" cy="427908"/>
+          </a:xfrm>
+          <a:prstGeom prst="roundRect">
+            <a:avLst/>
+          </a:prstGeom>
+          <a:solidFill>
+            <a:schemeClr val="accent2">
+              <a:lumMod val="50000"/>
+            </a:schemeClr>
+          </a:solidFill>
+          <a:ln>
+            <a:noFill/>
+          </a:ln>
+          <a:effectLst/>
+        </p:spPr>
+        <p:style>
+          <a:lnRef idx="1">
+            <a:schemeClr val="accent1"/>
+          </a:lnRef>
+          <a:fillRef idx="3">
+            <a:schemeClr val="accent1"/>
+          </a:fillRef>
+          <a:effectRef idx="2">
+            <a:schemeClr val="accent1"/>
+          </a:effectRef>
+          <a:fontRef idx="minor">
+            <a:schemeClr val="lt1"/>
+          </a:fontRef>
+        </p:style>
+        <p:txBody>
+          <a:bodyPr rtlCol="0" anchor="ctr"/>
+          <a:lstStyle/>
+          <a:p>
+            <a:pPr algn="ctr"/>
+            <a:r>
+              <a:rPr lang="en-US" dirty="0"/>
+              <a:t>Citadel</a:t>
+            </a:r>
+          </a:p>
+        </p:txBody>
+      </p:sp>
+      <p:sp>
+        <p:nvSpPr>
+          <p:cNvPr id="9" name="Rectangle 8">
+            <a:extLst>
+              <a:ext uri="{FF2B5EF4-FFF2-40B4-BE49-F238E27FC236}">
+                <a16:creationId xmlns:a16="http://schemas.microsoft.com/office/drawing/2014/main" id="{65DF70ED-8FC9-498D-A007-D65599107738}"/>
+              </a:ext>
+            </a:extLst>
+          </p:cNvPr>
+          <p:cNvSpPr/>
+          <p:nvPr/>
+        </p:nvSpPr>
+        <p:spPr>
+          <a:xfrm>
+            <a:off x="3865590" y="2474961"/>
+            <a:ext cx="766916" cy="324910"/>
+          </a:xfrm>
+          <a:prstGeom prst="rect">
+            <a:avLst/>
+          </a:prstGeom>
+          <a:solidFill>
+            <a:schemeClr val="tx2">
+              <a:lumMod val="90000"/>
+              <a:lumOff val="10000"/>
+            </a:schemeClr>
+          </a:solidFill>
+          <a:ln>
+            <a:noFill/>
+          </a:ln>
+          <a:effectLst/>
+        </p:spPr>
+        <p:style>
+          <a:lnRef idx="1">
+            <a:schemeClr val="accent1"/>
+          </a:lnRef>
+          <a:fillRef idx="3">
+            <a:schemeClr val="accent1"/>
+          </a:fillRef>
+          <a:effectRef idx="2">
+            <a:schemeClr val="accent1"/>
+          </a:effectRef>
+          <a:fontRef idx="minor">
+            <a:schemeClr val="lt1"/>
+          </a:fontRef>
+        </p:style>
+        <p:txBody>
+          <a:bodyPr rtlCol="0" anchor="ctr"/>
+          <a:lstStyle/>
+          <a:p>
+            <a:pPr algn="ctr"/>
+            <a:r>
+              <a:rPr lang="en-US" dirty="0"/>
+              <a:t>Mixer</a:t>
+            </a:r>
+          </a:p>
+        </p:txBody>
+      </p:sp>
+      <p:sp>
+        <p:nvSpPr>
+          <p:cNvPr id="10" name="Rounded Rectangle 10">
+            <a:extLst>
+              <a:ext uri="{FF2B5EF4-FFF2-40B4-BE49-F238E27FC236}">
+                <a16:creationId xmlns:a16="http://schemas.microsoft.com/office/drawing/2014/main" id="{91451A5C-F720-4469-BB65-548933C48A62}"/>
+              </a:ext>
+            </a:extLst>
+          </p:cNvPr>
+          <p:cNvSpPr/>
+          <p:nvPr/>
+        </p:nvSpPr>
+        <p:spPr>
+          <a:xfrm>
+            <a:off x="5025796" y="2474961"/>
+            <a:ext cx="835742" cy="324910"/>
+          </a:xfrm>
+          <a:prstGeom prst="roundRect">
+            <a:avLst/>
+          </a:prstGeom>
+          <a:solidFill>
+            <a:schemeClr val="accent2">
+              <a:lumMod val="75000"/>
+            </a:schemeClr>
+          </a:solidFill>
+          <a:ln>
+            <a:noFill/>
+          </a:ln>
+          <a:effectLst/>
+        </p:spPr>
+        <p:style>
+          <a:lnRef idx="1">
+            <a:schemeClr val="accent1"/>
+          </a:lnRef>
+          <a:fillRef idx="3">
+            <a:schemeClr val="accent1"/>
+          </a:fillRef>
+          <a:effectRef idx="2">
+            <a:schemeClr val="accent1"/>
+          </a:effectRef>
+          <a:fontRef idx="minor">
+            <a:schemeClr val="lt1"/>
+          </a:fontRef>
+        </p:style>
+        <p:txBody>
+          <a:bodyPr rtlCol="0" anchor="ctr"/>
+          <a:lstStyle/>
+          <a:p>
+            <a:pPr algn="ctr"/>
+            <a:r>
+              <a:rPr lang="en-US" dirty="0"/>
+              <a:t>Pilot</a:t>
+            </a:r>
+          </a:p>
+        </p:txBody>
+      </p:sp>
+      <p:sp>
+        <p:nvSpPr>
+          <p:cNvPr id="11" name="Hexagon 10">
+            <a:extLst>
+              <a:ext uri="{FF2B5EF4-FFF2-40B4-BE49-F238E27FC236}">
+                <a16:creationId xmlns:a16="http://schemas.microsoft.com/office/drawing/2014/main" id="{2420E588-DC31-4BD6-83EB-0E957F2DC2F9}"/>
+              </a:ext>
+            </a:extLst>
+          </p:cNvPr>
+          <p:cNvSpPr/>
+          <p:nvPr/>
+        </p:nvSpPr>
+        <p:spPr>
+          <a:xfrm>
+            <a:off x="3255990" y="3675828"/>
+            <a:ext cx="1189703" cy="589936"/>
+          </a:xfrm>
+          <a:prstGeom prst="hexagon">
+            <a:avLst/>
+          </a:prstGeom>
+          <a:noFill/>
+          <a:ln>
+            <a:solidFill>
+              <a:srgbClr val="FF66CC"/>
+            </a:solidFill>
+          </a:ln>
+          <a:effectLst/>
+        </p:spPr>
+        <p:style>
+          <a:lnRef idx="1">
+            <a:schemeClr val="accent1"/>
+          </a:lnRef>
+          <a:fillRef idx="3">
+            <a:schemeClr val="accent1"/>
+          </a:fillRef>
+          <a:effectRef idx="2">
+            <a:schemeClr val="accent1"/>
+          </a:effectRef>
+          <a:fontRef idx="minor">
+            <a:schemeClr val="lt1"/>
+          </a:fontRef>
+        </p:style>
+        <p:txBody>
+          <a:bodyPr rtlCol="0" anchor="ctr"/>
+          <a:lstStyle/>
+          <a:p>
+            <a:pPr algn="ctr"/>
+            <a:r>
+              <a:rPr lang="en-US" dirty="0">
+                <a:solidFill>
+                  <a:schemeClr val="tx1"/>
+                </a:solidFill>
+              </a:rPr>
+              <a:t>Envoy</a:t>
+            </a:r>
+          </a:p>
+        </p:txBody>
+      </p:sp>
+      <p:sp>
+        <p:nvSpPr>
+          <p:cNvPr id="12" name="Snip and Round Single Corner Rectangle 13">
+            <a:extLst>
+              <a:ext uri="{FF2B5EF4-FFF2-40B4-BE49-F238E27FC236}">
+                <a16:creationId xmlns:a16="http://schemas.microsoft.com/office/drawing/2014/main" id="{32085C31-02FA-4FCA-9B50-895915DD4810}"/>
+              </a:ext>
+            </a:extLst>
+          </p:cNvPr>
+          <p:cNvSpPr/>
+          <p:nvPr/>
+        </p:nvSpPr>
+        <p:spPr>
+          <a:xfrm>
+            <a:off x="5045461" y="3508681"/>
+            <a:ext cx="2074606" cy="904568"/>
+          </a:xfrm>
+          <a:prstGeom prst="snipRoundRect">
+            <a:avLst/>
+          </a:prstGeom>
+          <a:solidFill>
+            <a:schemeClr val="bg1">
+              <a:lumMod val="85000"/>
+            </a:schemeClr>
+          </a:solidFill>
+          <a:ln>
+            <a:noFill/>
+          </a:ln>
+          <a:effectLst/>
+        </p:spPr>
+        <p:style>
+          <a:lnRef idx="1">
+            <a:schemeClr val="accent1"/>
+          </a:lnRef>
+          <a:fillRef idx="3">
+            <a:schemeClr val="accent1"/>
+          </a:fillRef>
+          <a:effectRef idx="2">
+            <a:schemeClr val="accent1"/>
+          </a:effectRef>
+          <a:fontRef idx="minor">
+            <a:schemeClr val="lt1"/>
+          </a:fontRef>
+        </p:style>
+        <p:txBody>
+          <a:bodyPr rtlCol="0" anchor="ctr"/>
+          <a:lstStyle/>
+          <a:p>
+            <a:pPr algn="ctr"/>
+            <a:r>
+              <a:rPr lang="en-US" dirty="0"/>
+              <a:t>Container</a:t>
+            </a:r>
+          </a:p>
+        </p:txBody>
+      </p:sp>
+      <p:cxnSp>
+        <p:nvCxnSpPr>
+          <p:cNvPr id="13" name="Straight Arrow Connector 12">
+            <a:extLst>
+              <a:ext uri="{FF2B5EF4-FFF2-40B4-BE49-F238E27FC236}">
+                <a16:creationId xmlns:a16="http://schemas.microsoft.com/office/drawing/2014/main" id="{6FC221D6-F85C-4B6E-A8BF-4B1AA27C4EFF}"/>
+              </a:ext>
+            </a:extLst>
+          </p:cNvPr>
+          <p:cNvCxnSpPr>
+            <a:stCxn id="6" idx="3"/>
+            <a:endCxn id="11" idx="3"/>
+          </p:cNvCxnSpPr>
+          <p:nvPr/>
+        </p:nvCxnSpPr>
+        <p:spPr>
+          <a:xfrm flipV="1">
+            <a:off x="2430080" y="3970796"/>
+            <a:ext cx="825910" cy="2"/>
+          </a:xfrm>
+          <a:prstGeom prst="straightConnector1">
+            <a:avLst/>
+          </a:prstGeom>
+          <a:ln>
+            <a:solidFill>
+              <a:schemeClr val="tx1"/>
+            </a:solidFill>
+            <a:tailEnd type="triangle"/>
+          </a:ln>
+          <a:effectLst/>
+        </p:spPr>
+        <p:style>
+          <a:lnRef idx="2">
+            <a:schemeClr val="accent1"/>
+          </a:lnRef>
+          <a:fillRef idx="0">
+            <a:schemeClr val="accent1"/>
+          </a:fillRef>
+          <a:effectRef idx="1">
+            <a:schemeClr val="accent1"/>
+          </a:effectRef>
+          <a:fontRef idx="minor">
+            <a:schemeClr val="tx1"/>
+          </a:fontRef>
+        </p:style>
+      </p:cxnSp>
+      <p:cxnSp>
+        <p:nvCxnSpPr>
+          <p:cNvPr id="14" name="Straight Arrow Connector 13">
+            <a:extLst>
+              <a:ext uri="{FF2B5EF4-FFF2-40B4-BE49-F238E27FC236}">
+                <a16:creationId xmlns:a16="http://schemas.microsoft.com/office/drawing/2014/main" id="{931DB6E7-D28A-4ACF-89E2-CD1A62A50302}"/>
+              </a:ext>
+            </a:extLst>
+          </p:cNvPr>
+          <p:cNvCxnSpPr>
+            <a:stCxn id="11" idx="0"/>
+            <a:endCxn id="12" idx="2"/>
+          </p:cNvCxnSpPr>
+          <p:nvPr/>
+        </p:nvCxnSpPr>
+        <p:spPr>
+          <a:xfrm flipV="1">
+            <a:off x="4445693" y="3960965"/>
+            <a:ext cx="599768" cy="9831"/>
+          </a:xfrm>
+          <a:prstGeom prst="straightConnector1">
+            <a:avLst/>
+          </a:prstGeom>
+          <a:ln>
+            <a:solidFill>
+              <a:schemeClr val="tx1"/>
+            </a:solidFill>
+            <a:tailEnd type="triangle"/>
+          </a:ln>
+          <a:effectLst/>
+        </p:spPr>
+        <p:style>
+          <a:lnRef idx="2">
+            <a:schemeClr val="accent1"/>
+          </a:lnRef>
+          <a:fillRef idx="0">
+            <a:schemeClr val="accent1"/>
+          </a:fillRef>
+          <a:effectRef idx="1">
+            <a:schemeClr val="accent1"/>
+          </a:effectRef>
+          <a:fontRef idx="minor">
+            <a:schemeClr val="tx1"/>
+          </a:fontRef>
+        </p:style>
+      </p:cxnSp>
+      <p:cxnSp>
+        <p:nvCxnSpPr>
+          <p:cNvPr id="15" name="Straight Arrow Connector 14">
+            <a:extLst>
+              <a:ext uri="{FF2B5EF4-FFF2-40B4-BE49-F238E27FC236}">
+                <a16:creationId xmlns:a16="http://schemas.microsoft.com/office/drawing/2014/main" id="{6E9C8819-C7F7-4DA0-AF9A-684F4F987816}"/>
+              </a:ext>
+            </a:extLst>
+          </p:cNvPr>
+          <p:cNvCxnSpPr/>
+          <p:nvPr/>
+        </p:nvCxnSpPr>
+        <p:spPr>
+          <a:xfrm>
+            <a:off x="3877259" y="2873836"/>
+            <a:ext cx="0" cy="816521"/>
+          </a:xfrm>
+          <a:prstGeom prst="straightConnector1">
+            <a:avLst/>
+          </a:prstGeom>
+          <a:ln>
+            <a:solidFill>
+              <a:schemeClr val="tx1"/>
+            </a:solidFill>
+            <a:tailEnd type="triangle"/>
+          </a:ln>
+          <a:effectLst/>
+        </p:spPr>
+        <p:style>
+          <a:lnRef idx="2">
+            <a:schemeClr val="accent1"/>
+          </a:lnRef>
+          <a:fillRef idx="0">
+            <a:schemeClr val="accent1"/>
+          </a:fillRef>
+          <a:effectRef idx="1">
+            <a:schemeClr val="accent1"/>
+          </a:effectRef>
+          <a:fontRef idx="minor">
+            <a:schemeClr val="tx1"/>
+          </a:fontRef>
+        </p:style>
+      </p:cxnSp>
+      <p:sp>
+        <p:nvSpPr>
+          <p:cNvPr id="16" name="TextBox 15">
+            <a:extLst>
+              <a:ext uri="{FF2B5EF4-FFF2-40B4-BE49-F238E27FC236}">
+                <a16:creationId xmlns:a16="http://schemas.microsoft.com/office/drawing/2014/main" id="{B0D4B665-9C56-408C-AE79-FA6AD1455B10}"/>
+              </a:ext>
+            </a:extLst>
+          </p:cNvPr>
+          <p:cNvSpPr txBox="1"/>
+          <p:nvPr/>
+        </p:nvSpPr>
+        <p:spPr>
+          <a:xfrm>
+            <a:off x="3877259" y="2961921"/>
+            <a:ext cx="1356852" cy="276999"/>
+          </a:xfrm>
+          <a:prstGeom prst="rect">
+            <a:avLst/>
+          </a:prstGeom>
+          <a:noFill/>
+        </p:spPr>
+        <p:txBody>
+          <a:bodyPr wrap="square" rtlCol="0">
+            <a:spAutoFit/>
+          </a:bodyPr>
+          <a:lstStyle/>
+          <a:p>
+            <a:r>
+              <a:rPr lang="en-US" sz="1200" dirty="0">
+                <a:solidFill>
+                  <a:schemeClr val="accent4">
+                    <a:lumMod val="60000"/>
+                    <a:lumOff val="40000"/>
+                  </a:schemeClr>
+                </a:solidFill>
+              </a:rPr>
+              <a:t>TLS certificate</a:t>
+            </a:r>
+          </a:p>
+        </p:txBody>
+      </p:sp>
+      <p:sp>
+        <p:nvSpPr>
+          <p:cNvPr id="17" name="TextBox 16">
+            <a:extLst>
+              <a:ext uri="{FF2B5EF4-FFF2-40B4-BE49-F238E27FC236}">
+                <a16:creationId xmlns:a16="http://schemas.microsoft.com/office/drawing/2014/main" id="{C59F549A-292F-4DD6-82D9-A64915603522}"/>
+              </a:ext>
+            </a:extLst>
+          </p:cNvPr>
+          <p:cNvSpPr txBox="1"/>
+          <p:nvPr/>
+        </p:nvSpPr>
+        <p:spPr>
+          <a:xfrm>
+            <a:off x="2502484" y="3989701"/>
+            <a:ext cx="690731" cy="276999"/>
+          </a:xfrm>
+          <a:prstGeom prst="rect">
+            <a:avLst/>
+          </a:prstGeom>
+          <a:noFill/>
+        </p:spPr>
+        <p:txBody>
+          <a:bodyPr wrap="square" rtlCol="0">
+            <a:spAutoFit/>
+          </a:bodyPr>
+          <a:lstStyle/>
+          <a:p>
+            <a:r>
+              <a:rPr lang="en-US" sz="1200" dirty="0">
+                <a:solidFill>
+                  <a:schemeClr val="accent4">
+                    <a:lumMod val="50000"/>
+                  </a:schemeClr>
+                </a:solidFill>
+              </a:rPr>
+              <a:t>HTTPS</a:t>
+            </a:r>
+          </a:p>
+        </p:txBody>
+      </p:sp>
+      <p:sp>
+        <p:nvSpPr>
+          <p:cNvPr id="18" name="TextBox 17">
+            <a:extLst>
+              <a:ext uri="{FF2B5EF4-FFF2-40B4-BE49-F238E27FC236}">
+                <a16:creationId xmlns:a16="http://schemas.microsoft.com/office/drawing/2014/main" id="{8CA1E43D-E6D4-4CDF-8CAE-552DE283B28C}"/>
+              </a:ext>
+            </a:extLst>
+          </p:cNvPr>
+          <p:cNvSpPr txBox="1"/>
+          <p:nvPr/>
+        </p:nvSpPr>
+        <p:spPr>
+          <a:xfrm>
+            <a:off x="4445693" y="3997266"/>
+            <a:ext cx="635415" cy="276999"/>
+          </a:xfrm>
+          <a:prstGeom prst="rect">
+            <a:avLst/>
+          </a:prstGeom>
+          <a:noFill/>
+        </p:spPr>
+        <p:txBody>
+          <a:bodyPr wrap="square" rtlCol="0">
+            <a:spAutoFit/>
+          </a:bodyPr>
+          <a:lstStyle/>
+          <a:p>
+            <a:r>
+              <a:rPr lang="en-US" sz="1200" dirty="0">
+                <a:solidFill>
+                  <a:schemeClr val="accent4">
+                    <a:lumMod val="60000"/>
+                    <a:lumOff val="40000"/>
+                  </a:schemeClr>
+                </a:solidFill>
+              </a:rPr>
+              <a:t>HTTP</a:t>
+            </a:r>
+          </a:p>
+        </p:txBody>
+      </p:sp>
     </p:spTree>
     <p:extLst>
       <p:ext uri="{BB962C8B-B14F-4D97-AF65-F5344CB8AC3E}">
-        <p14:creationId xmlns:p14="http://schemas.microsoft.com/office/powerpoint/2010/main" val="1492512176"/>
+        <p14:creationId xmlns:p14="http://schemas.microsoft.com/office/powerpoint/2010/main" val="3071993345"/>
       </p:ext>
     </p:extLst>
   </p:cSld>
@@ -27608,21 +28939,113 @@
           <a:lstStyle/>
           <a:p>
             <a:r>
-              <a:rPr lang="en-US" dirty="0" smtClean="0"/>
-              <a:t>Tools and design</a:t>
+              <a:rPr lang="en-US" dirty="0"/>
+              <a:t>Apps Security=&gt;Web Application</a:t>
+            </a:r>
+          </a:p>
+        </p:txBody>
+      </p:sp>
+      <p:sp>
+        <p:nvSpPr>
+          <p:cNvPr id="3" name="Content Placeholder 2"/>
+          <p:cNvSpPr>
+            <a:spLocks noGrp="1"/>
+          </p:cNvSpPr>
+          <p:nvPr>
+            <p:ph idx="1"/>
+          </p:nvPr>
+        </p:nvSpPr>
+        <p:spPr/>
+        <p:txBody>
+          <a:bodyPr>
+            <a:normAutofit lnSpcReduction="10000"/>
+          </a:bodyPr>
+          <a:lstStyle/>
+          <a:p>
+            <a:r>
+              <a:rPr lang="en-US" dirty="0"/>
+              <a:t>Privilege escalation attack</a:t>
+            </a:r>
+          </a:p>
+          <a:p>
+            <a:pPr lvl="1"/>
+            <a:r>
+              <a:rPr lang="en-US" dirty="0"/>
+              <a:t>Ensure that only  just that amount of </a:t>
+            </a:r>
+            <a:r>
+              <a:rPr lang="en-US" dirty="0" err="1"/>
+              <a:t>previliage</a:t>
+            </a:r>
+            <a:r>
+              <a:rPr lang="en-US" dirty="0"/>
+              <a:t> is given to the container</a:t>
+            </a:r>
+          </a:p>
+          <a:p>
+            <a:pPr lvl="1"/>
+            <a:r>
+              <a:rPr lang="en-US" dirty="0"/>
+              <a:t>Avoid impersonation unless required</a:t>
+            </a:r>
+          </a:p>
+          <a:p>
+            <a:pPr lvl="1"/>
+            <a:r>
+              <a:rPr lang="en-US" dirty="0"/>
+              <a:t>Avoid connecting to other nodes or machine using the </a:t>
+            </a:r>
+            <a:r>
+              <a:rPr lang="en-US" dirty="0" err="1"/>
+              <a:t>prviliges</a:t>
             </a:r>
             <a:endParaRPr lang="en-US" dirty="0"/>
           </a:p>
-        </p:txBody>
-      </p:sp>
-      <p:sp>
-        <p:nvSpPr>
-          <p:cNvPr id="3" name="Content Placeholder 2"/>
-          <p:cNvSpPr>
-            <a:spLocks noGrp="1"/>
-          </p:cNvSpPr>
-          <p:nvPr>
-            <p:ph idx="1"/>
+          <a:p>
+            <a:r>
+              <a:rPr lang="en-US" dirty="0"/>
+              <a:t>Port protection</a:t>
+            </a:r>
+          </a:p>
+          <a:p>
+            <a:r>
+              <a:rPr lang="en-US" dirty="0"/>
+              <a:t>Over resource utilization</a:t>
+            </a:r>
+          </a:p>
+          <a:p>
+            <a:pPr lvl="1"/>
+            <a:r>
+              <a:rPr lang="en-US" dirty="0"/>
+              <a:t>Scale based on rule with logging enabled</a:t>
+            </a:r>
+          </a:p>
+          <a:p>
+            <a:pPr lvl="1"/>
+            <a:r>
+              <a:rPr lang="en-US" dirty="0"/>
+              <a:t>Cap on resource used to included in POD definition</a:t>
+            </a:r>
+          </a:p>
+          <a:p>
+            <a:r>
+              <a:rPr lang="en-US" dirty="0"/>
+              <a:t>Re Pave and Re build frequently</a:t>
+            </a:r>
+          </a:p>
+          <a:p>
+            <a:endParaRPr lang="en-US" dirty="0"/>
+          </a:p>
+        </p:txBody>
+      </p:sp>
+      <p:sp>
+        <p:nvSpPr>
+          <p:cNvPr id="4" name="Footer Placeholder 3"/>
+          <p:cNvSpPr>
+            <a:spLocks noGrp="1"/>
+          </p:cNvSpPr>
+          <p:nvPr>
+            <p:ph type="ftr" sz="quarter" idx="11"/>
           </p:nvPr>
         </p:nvSpPr>
         <p:spPr/>
@@ -27631,30 +29054,7 @@
           <a:lstStyle/>
           <a:p>
             <a:r>
-              <a:rPr lang="en-US" dirty="0" smtClean="0"/>
-              <a:t>A pictorial representation of pipeline and tools used</a:t>
-            </a:r>
-            <a:endParaRPr lang="en-US" dirty="0"/>
-          </a:p>
-        </p:txBody>
-      </p:sp>
-      <p:sp>
-        <p:nvSpPr>
-          <p:cNvPr id="4" name="Footer Placeholder 3"/>
-          <p:cNvSpPr>
-            <a:spLocks noGrp="1"/>
-          </p:cNvSpPr>
-          <p:nvPr>
-            <p:ph type="ftr" sz="quarter" idx="11"/>
-          </p:nvPr>
-        </p:nvSpPr>
-        <p:spPr/>
-        <p:txBody>
-          <a:bodyPr/>
-          <a:lstStyle/>
-          <a:p>
-            <a:r>
-              <a:rPr lang="en-US" smtClean="0"/>
+              <a:rPr lang="en-US"/>
               <a:t>© 2018 Cognizant</a:t>
             </a:r>
             <a:endParaRPr lang="en-US" dirty="0"/>
@@ -27688,7 +29088,7 @@
     </p:spTree>
     <p:extLst>
       <p:ext uri="{BB962C8B-B14F-4D97-AF65-F5344CB8AC3E}">
-        <p14:creationId xmlns:p14="http://schemas.microsoft.com/office/powerpoint/2010/main" val="3261326521"/>
+        <p14:creationId xmlns:p14="http://schemas.microsoft.com/office/powerpoint/2010/main" val="4167555223"/>
       </p:ext>
     </p:extLst>
   </p:cSld>
@@ -27730,7 +29130,10 @@
           <a:bodyPr/>
           <a:lstStyle/>
           <a:p>
-            <a:endParaRPr lang="en-US"/>
+            <a:r>
+              <a:rPr lang="en-US" dirty="0"/>
+              <a:t>Application Security =&gt; Batch</a:t>
+            </a:r>
           </a:p>
         </p:txBody>
       </p:sp>
@@ -27749,7 +29152,63 @@
           <a:bodyPr/>
           <a:lstStyle/>
           <a:p>
-            <a:endParaRPr lang="en-US"/>
+            <a:r>
+              <a:rPr lang="en-US" dirty="0"/>
+              <a:t>TLS protection</a:t>
+            </a:r>
+          </a:p>
+          <a:p>
+            <a:pPr lvl="1"/>
+            <a:r>
+              <a:rPr lang="en-US" dirty="0"/>
+              <a:t>Side car for handling </a:t>
+            </a:r>
+            <a:r>
+              <a:rPr lang="en-US" dirty="0" err="1"/>
+              <a:t>netwrok</a:t>
+            </a:r>
+            <a:r>
+              <a:rPr lang="en-US" dirty="0"/>
+              <a:t> policy</a:t>
+            </a:r>
+          </a:p>
+          <a:p>
+            <a:pPr lvl="1"/>
+            <a:r>
+              <a:rPr lang="en-US" dirty="0"/>
+              <a:t>Avoid connecting other VM/POD with a known User ID and password</a:t>
+            </a:r>
+          </a:p>
+          <a:p>
+            <a:r>
+              <a:rPr lang="en-US" dirty="0" err="1"/>
+              <a:t>Previligae</a:t>
+            </a:r>
+            <a:r>
+              <a:rPr lang="en-US" dirty="0"/>
+              <a:t> escalation attack</a:t>
+            </a:r>
+          </a:p>
+          <a:p>
+            <a:r>
+              <a:rPr lang="en-US" dirty="0"/>
+              <a:t>Credential security</a:t>
+            </a:r>
+          </a:p>
+          <a:p>
+            <a:r>
+              <a:rPr lang="en-US" dirty="0"/>
+              <a:t>Resource starvation</a:t>
+            </a:r>
+          </a:p>
+          <a:p>
+            <a:endParaRPr lang="en-US" dirty="0"/>
+          </a:p>
+          <a:p>
+            <a:endParaRPr lang="en-US" dirty="0"/>
+          </a:p>
+          <a:p>
+            <a:endParaRPr lang="en-US" dirty="0"/>
           </a:p>
         </p:txBody>
       </p:sp>
@@ -27769,7 +29228,7 @@
           <a:lstStyle/>
           <a:p>
             <a:r>
-              <a:rPr lang="en-US" smtClean="0"/>
+              <a:rPr lang="en-US"/>
               <a:t>© 2018 Cognizant</a:t>
             </a:r>
             <a:endParaRPr lang="en-US" dirty="0"/>
@@ -27803,7 +29262,7 @@
     </p:spTree>
     <p:extLst>
       <p:ext uri="{BB962C8B-B14F-4D97-AF65-F5344CB8AC3E}">
-        <p14:creationId xmlns:p14="http://schemas.microsoft.com/office/powerpoint/2010/main" val="2821144906"/>
+        <p14:creationId xmlns:p14="http://schemas.microsoft.com/office/powerpoint/2010/main" val="992544480"/>
       </p:ext>
     </p:extLst>
   </p:cSld>
@@ -27832,10 +29291,128 @@
       </p:grpSpPr>
       <p:sp>
         <p:nvSpPr>
+          <p:cNvPr id="2" name="Title 1"/>
+          <p:cNvSpPr>
+            <a:spLocks noGrp="1"/>
+          </p:cNvSpPr>
+          <p:nvPr>
+            <p:ph type="title"/>
+          </p:nvPr>
+        </p:nvSpPr>
+        <p:spPr/>
+        <p:txBody>
+          <a:bodyPr/>
+          <a:lstStyle/>
+          <a:p>
+            <a:r>
+              <a:rPr lang="en-US" dirty="0"/>
+              <a:t>Application security =&gt; Monitoring</a:t>
+            </a:r>
+          </a:p>
+        </p:txBody>
+      </p:sp>
+      <p:sp>
+        <p:nvSpPr>
+          <p:cNvPr id="3" name="Content Placeholder 2"/>
+          <p:cNvSpPr>
+            <a:spLocks noGrp="1"/>
+          </p:cNvSpPr>
+          <p:nvPr>
+            <p:ph idx="1"/>
+          </p:nvPr>
+        </p:nvSpPr>
+        <p:spPr/>
+        <p:txBody>
+          <a:bodyPr/>
+          <a:lstStyle/>
+          <a:p>
+            <a:endParaRPr lang="en-US"/>
+          </a:p>
+        </p:txBody>
+      </p:sp>
+      <p:sp>
+        <p:nvSpPr>
+          <p:cNvPr id="4" name="Footer Placeholder 3"/>
+          <p:cNvSpPr>
+            <a:spLocks noGrp="1"/>
+          </p:cNvSpPr>
+          <p:nvPr>
+            <p:ph type="ftr" sz="quarter" idx="11"/>
+          </p:nvPr>
+        </p:nvSpPr>
+        <p:spPr/>
+        <p:txBody>
+          <a:bodyPr/>
+          <a:lstStyle/>
+          <a:p>
+            <a:r>
+              <a:rPr lang="en-US"/>
+              <a:t>© 2018 Cognizant</a:t>
+            </a:r>
+            <a:endParaRPr lang="en-US" dirty="0"/>
+          </a:p>
+        </p:txBody>
+      </p:sp>
+      <p:sp>
+        <p:nvSpPr>
+          <p:cNvPr id="5" name="Slide Number Placeholder 4"/>
+          <p:cNvSpPr>
+            <a:spLocks noGrp="1"/>
+          </p:cNvSpPr>
+          <p:nvPr>
+            <p:ph type="sldNum" sz="quarter" idx="12"/>
+          </p:nvPr>
+        </p:nvSpPr>
+        <p:spPr/>
+        <p:txBody>
+          <a:bodyPr/>
+          <a:lstStyle/>
+          <a:p>
+            <a:fld id="{2EFEF571-C9B4-4D92-A7F7-315B894862A8}" type="slidenum">
+              <a:rPr lang="en-US" smtClean="0"/>
+              <a:pPr/>
+              <a:t>16</a:t>
+            </a:fld>
+            <a:endParaRPr lang="en-US" dirty="0"/>
+          </a:p>
+        </p:txBody>
+      </p:sp>
+    </p:spTree>
+    <p:extLst>
+      <p:ext uri="{BB962C8B-B14F-4D97-AF65-F5344CB8AC3E}">
+        <p14:creationId xmlns:p14="http://schemas.microsoft.com/office/powerpoint/2010/main" val="1625541346"/>
+      </p:ext>
+    </p:extLst>
+  </p:cSld>
+  <p:clrMapOvr>
+    <a:masterClrMapping/>
+  </p:clrMapOvr>
+</p:sld>
+</file>
+
+<file path=ppt/slides/slide17.xml><?xml version="1.0" encoding="utf-8"?>
+<p:sld xmlns:a="http://schemas.openxmlformats.org/drawingml/2006/main" xmlns:r="http://schemas.openxmlformats.org/officeDocument/2006/relationships" xmlns:p="http://schemas.openxmlformats.org/presentationml/2006/main">
+  <p:cSld>
+    <p:spTree>
+      <p:nvGrpSpPr>
+        <p:cNvPr id="1" name=""/>
+        <p:cNvGrpSpPr/>
+        <p:nvPr/>
+      </p:nvGrpSpPr>
+      <p:grpSpPr>
+        <a:xfrm>
+          <a:off x="0" y="0"/>
+          <a:ext cx="0" cy="0"/>
+          <a:chOff x="0" y="0"/>
+          <a:chExt cx="0" cy="0"/>
+        </a:xfrm>
+      </p:grpSpPr>
+      <p:sp>
+        <p:nvSpPr>
           <p:cNvPr id="2" name="Title 1">
             <a:extLst>
               <a:ext uri="{FF2B5EF4-FFF2-40B4-BE49-F238E27FC236}">
-                <a16:creationId xmlns:a16="http://schemas.microsoft.com/office/drawing/2014/main" id="{E1083F23-C768-4142-9883-3318F953E306}"/>
+                <a16:creationId xmlns:a16="http://schemas.microsoft.com/office/drawing/2014/main" id="{C073F02F-0FF8-5F48-A3B5-BD2FAC46DF68}"/>
               </a:ext>
             </a:extLst>
           </p:cNvPr>
@@ -27846,6 +29423,42 @@
             <p:ph type="title"/>
           </p:nvPr>
         </p:nvSpPr>
+        <p:spPr>
+          <a:xfrm>
+            <a:off x="384048" y="323556"/>
+            <a:ext cx="8385048" cy="356616"/>
+          </a:xfrm>
+        </p:spPr>
+        <p:txBody>
+          <a:bodyPr>
+            <a:noAutofit/>
+          </a:bodyPr>
+          <a:lstStyle/>
+          <a:p>
+            <a:r>
+              <a:rPr lang="en-US" dirty="0"/>
+              <a:t>Pipeline</a:t>
+            </a:r>
+            <a:endParaRPr lang="en-US" sz="1800" dirty="0"/>
+          </a:p>
+        </p:txBody>
+      </p:sp>
+      <p:sp>
+        <p:nvSpPr>
+          <p:cNvPr id="4" name="Footer Placeholder 3">
+            <a:extLst>
+              <a:ext uri="{FF2B5EF4-FFF2-40B4-BE49-F238E27FC236}">
+                <a16:creationId xmlns:a16="http://schemas.microsoft.com/office/drawing/2014/main" id="{C4CA02B9-9654-5E4F-A0B6-DCEBD38B0A94}"/>
+              </a:ext>
+            </a:extLst>
+          </p:cNvPr>
+          <p:cNvSpPr>
+            <a:spLocks noGrp="1"/>
+          </p:cNvSpPr>
+          <p:nvPr>
+            <p:ph type="ftr" sz="quarter" idx="11"/>
+          </p:nvPr>
+        </p:nvSpPr>
         <p:spPr/>
         <p:txBody>
           <a:bodyPr/>
@@ -27853,8 +29466,38 @@
           <a:p>
             <a:r>
               <a:rPr lang="en-US"/>
-              <a:t>Thank you</a:t>
-            </a:r>
+              <a:t>© 2018 Cognizant</a:t>
+            </a:r>
+            <a:endParaRPr lang="en-US" dirty="0"/>
+          </a:p>
+        </p:txBody>
+      </p:sp>
+      <p:sp>
+        <p:nvSpPr>
+          <p:cNvPr id="5" name="Slide Number Placeholder 4">
+            <a:extLst>
+              <a:ext uri="{FF2B5EF4-FFF2-40B4-BE49-F238E27FC236}">
+                <a16:creationId xmlns:a16="http://schemas.microsoft.com/office/drawing/2014/main" id="{8679B95B-026A-DF4D-A7D1-AA5D2389088F}"/>
+              </a:ext>
+            </a:extLst>
+          </p:cNvPr>
+          <p:cNvSpPr>
+            <a:spLocks noGrp="1"/>
+          </p:cNvSpPr>
+          <p:nvPr>
+            <p:ph type="sldNum" sz="quarter" idx="12"/>
+          </p:nvPr>
+        </p:nvSpPr>
+        <p:spPr/>
+        <p:txBody>
+          <a:bodyPr/>
+          <a:lstStyle/>
+          <a:p>
+            <a:fld id="{2EFEF571-C9B4-4D92-A7F7-315B894862A8}" type="slidenum">
+              <a:rPr lang="en-US" smtClean="0"/>
+              <a:pPr/>
+              <a:t>17</a:t>
+            </a:fld>
             <a:endParaRPr lang="en-US" dirty="0"/>
           </a:p>
         </p:txBody>
@@ -27862,7 +29505,249 @@
     </p:spTree>
     <p:extLst>
       <p:ext uri="{BB962C8B-B14F-4D97-AF65-F5344CB8AC3E}">
-        <p14:creationId xmlns:p14="http://schemas.microsoft.com/office/powerpoint/2010/main" val="1784034382"/>
+        <p14:creationId xmlns:p14="http://schemas.microsoft.com/office/powerpoint/2010/main" val="2651978824"/>
+      </p:ext>
+    </p:extLst>
+  </p:cSld>
+  <p:clrMapOvr>
+    <a:masterClrMapping/>
+  </p:clrMapOvr>
+</p:sld>
+</file>
+
+<file path=ppt/slides/slide18.xml><?xml version="1.0" encoding="utf-8"?>
+<p:sld xmlns:a="http://schemas.openxmlformats.org/drawingml/2006/main" xmlns:r="http://schemas.openxmlformats.org/officeDocument/2006/relationships" xmlns:p="http://schemas.openxmlformats.org/presentationml/2006/main">
+  <p:cSld>
+    <p:spTree>
+      <p:nvGrpSpPr>
+        <p:cNvPr id="1" name=""/>
+        <p:cNvGrpSpPr/>
+        <p:nvPr/>
+      </p:nvGrpSpPr>
+      <p:grpSpPr>
+        <a:xfrm>
+          <a:off x="0" y="0"/>
+          <a:ext cx="0" cy="0"/>
+          <a:chOff x="0" y="0"/>
+          <a:chExt cx="0" cy="0"/>
+        </a:xfrm>
+      </p:grpSpPr>
+      <p:sp>
+        <p:nvSpPr>
+          <p:cNvPr id="6" name="Title 5">
+            <a:extLst>
+              <a:ext uri="{FF2B5EF4-FFF2-40B4-BE49-F238E27FC236}">
+                <a16:creationId xmlns:a16="http://schemas.microsoft.com/office/drawing/2014/main" id="{68B7C40E-6851-F64E-95B8-A2204BFCD698}"/>
+              </a:ext>
+            </a:extLst>
+          </p:cNvPr>
+          <p:cNvSpPr>
+            <a:spLocks noGrp="1"/>
+          </p:cNvSpPr>
+          <p:nvPr>
+            <p:ph type="title"/>
+          </p:nvPr>
+        </p:nvSpPr>
+        <p:spPr/>
+        <p:txBody>
+          <a:bodyPr/>
+          <a:lstStyle/>
+          <a:p>
+            <a:r>
+              <a:rPr lang="en-US" dirty="0"/>
+              <a:t>Image registry</a:t>
+            </a:r>
+          </a:p>
+        </p:txBody>
+      </p:sp>
+      <p:sp>
+        <p:nvSpPr>
+          <p:cNvPr id="4" name="Footer Placeholder 3">
+            <a:extLst>
+              <a:ext uri="{FF2B5EF4-FFF2-40B4-BE49-F238E27FC236}">
+                <a16:creationId xmlns:a16="http://schemas.microsoft.com/office/drawing/2014/main" id="{C4CA02B9-9654-5E4F-A0B6-DCEBD38B0A94}"/>
+              </a:ext>
+            </a:extLst>
+          </p:cNvPr>
+          <p:cNvSpPr>
+            <a:spLocks noGrp="1"/>
+          </p:cNvSpPr>
+          <p:nvPr>
+            <p:ph type="ftr" sz="quarter" idx="11"/>
+          </p:nvPr>
+        </p:nvSpPr>
+        <p:spPr/>
+        <p:txBody>
+          <a:bodyPr/>
+          <a:lstStyle/>
+          <a:p>
+            <a:r>
+              <a:rPr lang="en-US"/>
+              <a:t>© 2018 Cognizant</a:t>
+            </a:r>
+            <a:endParaRPr lang="en-US" dirty="0"/>
+          </a:p>
+        </p:txBody>
+      </p:sp>
+      <p:sp>
+        <p:nvSpPr>
+          <p:cNvPr id="5" name="Slide Number Placeholder 4">
+            <a:extLst>
+              <a:ext uri="{FF2B5EF4-FFF2-40B4-BE49-F238E27FC236}">
+                <a16:creationId xmlns:a16="http://schemas.microsoft.com/office/drawing/2014/main" id="{8679B95B-026A-DF4D-A7D1-AA5D2389088F}"/>
+              </a:ext>
+            </a:extLst>
+          </p:cNvPr>
+          <p:cNvSpPr>
+            <a:spLocks noGrp="1"/>
+          </p:cNvSpPr>
+          <p:nvPr>
+            <p:ph type="sldNum" sz="quarter" idx="12"/>
+          </p:nvPr>
+        </p:nvSpPr>
+        <p:spPr/>
+        <p:txBody>
+          <a:bodyPr/>
+          <a:lstStyle/>
+          <a:p>
+            <a:fld id="{2EFEF571-C9B4-4D92-A7F7-315B894862A8}" type="slidenum">
+              <a:rPr lang="en-US" smtClean="0"/>
+              <a:pPr/>
+              <a:t>18</a:t>
+            </a:fld>
+            <a:endParaRPr lang="en-US" dirty="0"/>
+          </a:p>
+        </p:txBody>
+      </p:sp>
+    </p:spTree>
+    <p:extLst>
+      <p:ext uri="{BB962C8B-B14F-4D97-AF65-F5344CB8AC3E}">
+        <p14:creationId xmlns:p14="http://schemas.microsoft.com/office/powerpoint/2010/main" val="2214910997"/>
+      </p:ext>
+    </p:extLst>
+  </p:cSld>
+  <p:clrMapOvr>
+    <a:masterClrMapping/>
+  </p:clrMapOvr>
+</p:sld>
+</file>
+
+<file path=ppt/slides/slide19.xml><?xml version="1.0" encoding="utf-8"?>
+<p:sld xmlns:a="http://schemas.openxmlformats.org/drawingml/2006/main" xmlns:r="http://schemas.openxmlformats.org/officeDocument/2006/relationships" xmlns:p="http://schemas.openxmlformats.org/presentationml/2006/main">
+  <p:cSld>
+    <p:spTree>
+      <p:nvGrpSpPr>
+        <p:cNvPr id="1" name=""/>
+        <p:cNvGrpSpPr/>
+        <p:nvPr/>
+      </p:nvGrpSpPr>
+      <p:grpSpPr>
+        <a:xfrm>
+          <a:off x="0" y="0"/>
+          <a:ext cx="0" cy="0"/>
+          <a:chOff x="0" y="0"/>
+          <a:chExt cx="0" cy="0"/>
+        </a:xfrm>
+      </p:grpSpPr>
+      <p:sp>
+        <p:nvSpPr>
+          <p:cNvPr id="2" name="Title 1">
+            <a:extLst>
+              <a:ext uri="{FF2B5EF4-FFF2-40B4-BE49-F238E27FC236}">
+                <a16:creationId xmlns:a16="http://schemas.microsoft.com/office/drawing/2014/main" id="{C073F02F-0FF8-5F48-A3B5-BD2FAC46DF68}"/>
+              </a:ext>
+            </a:extLst>
+          </p:cNvPr>
+          <p:cNvSpPr>
+            <a:spLocks noGrp="1"/>
+          </p:cNvSpPr>
+          <p:nvPr>
+            <p:ph type="title"/>
+          </p:nvPr>
+        </p:nvSpPr>
+        <p:spPr>
+          <a:xfrm>
+            <a:off x="384048" y="323556"/>
+            <a:ext cx="8385048" cy="356616"/>
+          </a:xfrm>
+        </p:spPr>
+        <p:txBody>
+          <a:bodyPr>
+            <a:noAutofit/>
+          </a:bodyPr>
+          <a:lstStyle/>
+          <a:p>
+            <a:r>
+              <a:rPr lang="en-US" dirty="0"/>
+              <a:t>Runtime</a:t>
+            </a:r>
+            <a:endParaRPr lang="en-US" sz="1800" dirty="0"/>
+          </a:p>
+        </p:txBody>
+      </p:sp>
+      <p:sp>
+        <p:nvSpPr>
+          <p:cNvPr id="4" name="Footer Placeholder 3">
+            <a:extLst>
+              <a:ext uri="{FF2B5EF4-FFF2-40B4-BE49-F238E27FC236}">
+                <a16:creationId xmlns:a16="http://schemas.microsoft.com/office/drawing/2014/main" id="{C4CA02B9-9654-5E4F-A0B6-DCEBD38B0A94}"/>
+              </a:ext>
+            </a:extLst>
+          </p:cNvPr>
+          <p:cNvSpPr>
+            <a:spLocks noGrp="1"/>
+          </p:cNvSpPr>
+          <p:nvPr>
+            <p:ph type="ftr" sz="quarter" idx="11"/>
+          </p:nvPr>
+        </p:nvSpPr>
+        <p:spPr/>
+        <p:txBody>
+          <a:bodyPr/>
+          <a:lstStyle/>
+          <a:p>
+            <a:r>
+              <a:rPr lang="en-US"/>
+              <a:t>© 2018 Cognizant</a:t>
+            </a:r>
+            <a:endParaRPr lang="en-US" dirty="0"/>
+          </a:p>
+        </p:txBody>
+      </p:sp>
+      <p:sp>
+        <p:nvSpPr>
+          <p:cNvPr id="5" name="Slide Number Placeholder 4">
+            <a:extLst>
+              <a:ext uri="{FF2B5EF4-FFF2-40B4-BE49-F238E27FC236}">
+                <a16:creationId xmlns:a16="http://schemas.microsoft.com/office/drawing/2014/main" id="{8679B95B-026A-DF4D-A7D1-AA5D2389088F}"/>
+              </a:ext>
+            </a:extLst>
+          </p:cNvPr>
+          <p:cNvSpPr>
+            <a:spLocks noGrp="1"/>
+          </p:cNvSpPr>
+          <p:nvPr>
+            <p:ph type="sldNum" sz="quarter" idx="12"/>
+          </p:nvPr>
+        </p:nvSpPr>
+        <p:spPr/>
+        <p:txBody>
+          <a:bodyPr/>
+          <a:lstStyle/>
+          <a:p>
+            <a:fld id="{2EFEF571-C9B4-4D92-A7F7-315B894862A8}" type="slidenum">
+              <a:rPr lang="en-US" smtClean="0"/>
+              <a:pPr/>
+              <a:t>19</a:t>
+            </a:fld>
+            <a:endParaRPr lang="en-US" dirty="0"/>
+          </a:p>
+        </p:txBody>
+      </p:sp>
+    </p:spTree>
+    <p:extLst>
+      <p:ext uri="{BB962C8B-B14F-4D97-AF65-F5344CB8AC3E}">
+        <p14:creationId xmlns:p14="http://schemas.microsoft.com/office/powerpoint/2010/main" val="1492512176"/>
       </p:ext>
     </p:extLst>
   </p:cSld>
@@ -27913,7 +29798,7 @@
           <a:lstStyle/>
           <a:p>
             <a:r>
-              <a:rPr lang="en-US" dirty="0" smtClean="0"/>
+              <a:rPr lang="en-US" dirty="0"/>
               <a:t>Problem statement</a:t>
             </a:r>
             <a:endParaRPr lang="en-US" sz="1800" dirty="0"/>
@@ -28028,6 +29913,301 @@
     <p:extLst>
       <p:ext uri="{BB962C8B-B14F-4D97-AF65-F5344CB8AC3E}">
         <p14:creationId xmlns:p14="http://schemas.microsoft.com/office/powerpoint/2010/main" val="178549851"/>
+      </p:ext>
+    </p:extLst>
+  </p:cSld>
+  <p:clrMapOvr>
+    <a:masterClrMapping/>
+  </p:clrMapOvr>
+</p:sld>
+</file>
+
+<file path=ppt/slides/slide20.xml><?xml version="1.0" encoding="utf-8"?>
+<p:sld xmlns:a="http://schemas.openxmlformats.org/drawingml/2006/main" xmlns:r="http://schemas.openxmlformats.org/officeDocument/2006/relationships" xmlns:p="http://schemas.openxmlformats.org/presentationml/2006/main">
+  <p:cSld>
+    <p:spTree>
+      <p:nvGrpSpPr>
+        <p:cNvPr id="1" name=""/>
+        <p:cNvGrpSpPr/>
+        <p:nvPr/>
+      </p:nvGrpSpPr>
+      <p:grpSpPr>
+        <a:xfrm>
+          <a:off x="0" y="0"/>
+          <a:ext cx="0" cy="0"/>
+          <a:chOff x="0" y="0"/>
+          <a:chExt cx="0" cy="0"/>
+        </a:xfrm>
+      </p:grpSpPr>
+      <p:sp>
+        <p:nvSpPr>
+          <p:cNvPr id="2" name="Title 1"/>
+          <p:cNvSpPr>
+            <a:spLocks noGrp="1"/>
+          </p:cNvSpPr>
+          <p:nvPr>
+            <p:ph type="title"/>
+          </p:nvPr>
+        </p:nvSpPr>
+        <p:spPr/>
+        <p:txBody>
+          <a:bodyPr/>
+          <a:lstStyle/>
+          <a:p>
+            <a:r>
+              <a:rPr lang="en-US" dirty="0"/>
+              <a:t>Tools and design</a:t>
+            </a:r>
+          </a:p>
+        </p:txBody>
+      </p:sp>
+      <p:sp>
+        <p:nvSpPr>
+          <p:cNvPr id="3" name="Content Placeholder 2"/>
+          <p:cNvSpPr>
+            <a:spLocks noGrp="1"/>
+          </p:cNvSpPr>
+          <p:nvPr>
+            <p:ph idx="1"/>
+          </p:nvPr>
+        </p:nvSpPr>
+        <p:spPr/>
+        <p:txBody>
+          <a:bodyPr/>
+          <a:lstStyle/>
+          <a:p>
+            <a:r>
+              <a:rPr lang="en-US" dirty="0"/>
+              <a:t>A pictorial representation of pipeline and tools used</a:t>
+            </a:r>
+          </a:p>
+        </p:txBody>
+      </p:sp>
+      <p:sp>
+        <p:nvSpPr>
+          <p:cNvPr id="4" name="Footer Placeholder 3"/>
+          <p:cNvSpPr>
+            <a:spLocks noGrp="1"/>
+          </p:cNvSpPr>
+          <p:nvPr>
+            <p:ph type="ftr" sz="quarter" idx="11"/>
+          </p:nvPr>
+        </p:nvSpPr>
+        <p:spPr/>
+        <p:txBody>
+          <a:bodyPr/>
+          <a:lstStyle/>
+          <a:p>
+            <a:r>
+              <a:rPr lang="en-US"/>
+              <a:t>© 2018 Cognizant</a:t>
+            </a:r>
+            <a:endParaRPr lang="en-US" dirty="0"/>
+          </a:p>
+        </p:txBody>
+      </p:sp>
+      <p:sp>
+        <p:nvSpPr>
+          <p:cNvPr id="5" name="Slide Number Placeholder 4"/>
+          <p:cNvSpPr>
+            <a:spLocks noGrp="1"/>
+          </p:cNvSpPr>
+          <p:nvPr>
+            <p:ph type="sldNum" sz="quarter" idx="12"/>
+          </p:nvPr>
+        </p:nvSpPr>
+        <p:spPr/>
+        <p:txBody>
+          <a:bodyPr/>
+          <a:lstStyle/>
+          <a:p>
+            <a:fld id="{2EFEF571-C9B4-4D92-A7F7-315B894862A8}" type="slidenum">
+              <a:rPr lang="en-US" smtClean="0"/>
+              <a:pPr/>
+              <a:t>20</a:t>
+            </a:fld>
+            <a:endParaRPr lang="en-US" dirty="0"/>
+          </a:p>
+        </p:txBody>
+      </p:sp>
+    </p:spTree>
+    <p:extLst>
+      <p:ext uri="{BB962C8B-B14F-4D97-AF65-F5344CB8AC3E}">
+        <p14:creationId xmlns:p14="http://schemas.microsoft.com/office/powerpoint/2010/main" val="3261326521"/>
+      </p:ext>
+    </p:extLst>
+  </p:cSld>
+  <p:clrMapOvr>
+    <a:masterClrMapping/>
+  </p:clrMapOvr>
+</p:sld>
+</file>
+
+<file path=ppt/slides/slide21.xml><?xml version="1.0" encoding="utf-8"?>
+<p:sld xmlns:a="http://schemas.openxmlformats.org/drawingml/2006/main" xmlns:r="http://schemas.openxmlformats.org/officeDocument/2006/relationships" xmlns:p="http://schemas.openxmlformats.org/presentationml/2006/main">
+  <p:cSld>
+    <p:spTree>
+      <p:nvGrpSpPr>
+        <p:cNvPr id="1" name=""/>
+        <p:cNvGrpSpPr/>
+        <p:nvPr/>
+      </p:nvGrpSpPr>
+      <p:grpSpPr>
+        <a:xfrm>
+          <a:off x="0" y="0"/>
+          <a:ext cx="0" cy="0"/>
+          <a:chOff x="0" y="0"/>
+          <a:chExt cx="0" cy="0"/>
+        </a:xfrm>
+      </p:grpSpPr>
+      <p:sp>
+        <p:nvSpPr>
+          <p:cNvPr id="2" name="Title 1"/>
+          <p:cNvSpPr>
+            <a:spLocks noGrp="1"/>
+          </p:cNvSpPr>
+          <p:nvPr>
+            <p:ph type="title"/>
+          </p:nvPr>
+        </p:nvSpPr>
+        <p:spPr/>
+        <p:txBody>
+          <a:bodyPr/>
+          <a:lstStyle/>
+          <a:p>
+            <a:endParaRPr lang="en-US"/>
+          </a:p>
+        </p:txBody>
+      </p:sp>
+      <p:sp>
+        <p:nvSpPr>
+          <p:cNvPr id="3" name="Content Placeholder 2"/>
+          <p:cNvSpPr>
+            <a:spLocks noGrp="1"/>
+          </p:cNvSpPr>
+          <p:nvPr>
+            <p:ph idx="1"/>
+          </p:nvPr>
+        </p:nvSpPr>
+        <p:spPr/>
+        <p:txBody>
+          <a:bodyPr/>
+          <a:lstStyle/>
+          <a:p>
+            <a:endParaRPr lang="en-US"/>
+          </a:p>
+        </p:txBody>
+      </p:sp>
+      <p:sp>
+        <p:nvSpPr>
+          <p:cNvPr id="4" name="Footer Placeholder 3"/>
+          <p:cNvSpPr>
+            <a:spLocks noGrp="1"/>
+          </p:cNvSpPr>
+          <p:nvPr>
+            <p:ph type="ftr" sz="quarter" idx="11"/>
+          </p:nvPr>
+        </p:nvSpPr>
+        <p:spPr/>
+        <p:txBody>
+          <a:bodyPr/>
+          <a:lstStyle/>
+          <a:p>
+            <a:r>
+              <a:rPr lang="en-US"/>
+              <a:t>© 2018 Cognizant</a:t>
+            </a:r>
+            <a:endParaRPr lang="en-US" dirty="0"/>
+          </a:p>
+        </p:txBody>
+      </p:sp>
+      <p:sp>
+        <p:nvSpPr>
+          <p:cNvPr id="5" name="Slide Number Placeholder 4"/>
+          <p:cNvSpPr>
+            <a:spLocks noGrp="1"/>
+          </p:cNvSpPr>
+          <p:nvPr>
+            <p:ph type="sldNum" sz="quarter" idx="12"/>
+          </p:nvPr>
+        </p:nvSpPr>
+        <p:spPr/>
+        <p:txBody>
+          <a:bodyPr/>
+          <a:lstStyle/>
+          <a:p>
+            <a:fld id="{2EFEF571-C9B4-4D92-A7F7-315B894862A8}" type="slidenum">
+              <a:rPr lang="en-US" smtClean="0"/>
+              <a:pPr/>
+              <a:t>21</a:t>
+            </a:fld>
+            <a:endParaRPr lang="en-US" dirty="0"/>
+          </a:p>
+        </p:txBody>
+      </p:sp>
+    </p:spTree>
+    <p:extLst>
+      <p:ext uri="{BB962C8B-B14F-4D97-AF65-F5344CB8AC3E}">
+        <p14:creationId xmlns:p14="http://schemas.microsoft.com/office/powerpoint/2010/main" val="2821144906"/>
+      </p:ext>
+    </p:extLst>
+  </p:cSld>
+  <p:clrMapOvr>
+    <a:masterClrMapping/>
+  </p:clrMapOvr>
+</p:sld>
+</file>
+
+<file path=ppt/slides/slide22.xml><?xml version="1.0" encoding="utf-8"?>
+<p:sld xmlns:a="http://schemas.openxmlformats.org/drawingml/2006/main" xmlns:r="http://schemas.openxmlformats.org/officeDocument/2006/relationships" xmlns:p="http://schemas.openxmlformats.org/presentationml/2006/main">
+  <p:cSld>
+    <p:spTree>
+      <p:nvGrpSpPr>
+        <p:cNvPr id="1" name=""/>
+        <p:cNvGrpSpPr/>
+        <p:nvPr/>
+      </p:nvGrpSpPr>
+      <p:grpSpPr>
+        <a:xfrm>
+          <a:off x="0" y="0"/>
+          <a:ext cx="0" cy="0"/>
+          <a:chOff x="0" y="0"/>
+          <a:chExt cx="0" cy="0"/>
+        </a:xfrm>
+      </p:grpSpPr>
+      <p:sp>
+        <p:nvSpPr>
+          <p:cNvPr id="2" name="Title 1">
+            <a:extLst>
+              <a:ext uri="{FF2B5EF4-FFF2-40B4-BE49-F238E27FC236}">
+                <a16:creationId xmlns:a16="http://schemas.microsoft.com/office/drawing/2014/main" id="{E1083F23-C768-4142-9883-3318F953E306}"/>
+              </a:ext>
+            </a:extLst>
+          </p:cNvPr>
+          <p:cNvSpPr>
+            <a:spLocks noGrp="1"/>
+          </p:cNvSpPr>
+          <p:nvPr>
+            <p:ph type="title"/>
+          </p:nvPr>
+        </p:nvSpPr>
+        <p:spPr/>
+        <p:txBody>
+          <a:bodyPr/>
+          <a:lstStyle/>
+          <a:p>
+            <a:r>
+              <a:rPr lang="en-US"/>
+              <a:t>Thank you</a:t>
+            </a:r>
+            <a:endParaRPr lang="en-US" dirty="0"/>
+          </a:p>
+        </p:txBody>
+      </p:sp>
+    </p:spTree>
+    <p:extLst>
+      <p:ext uri="{BB962C8B-B14F-4D97-AF65-F5344CB8AC3E}">
+        <p14:creationId xmlns:p14="http://schemas.microsoft.com/office/powerpoint/2010/main" val="1784034382"/>
       </p:ext>
     </p:extLst>
   </p:cSld>
@@ -28078,7 +30258,7 @@
           <a:lstStyle/>
           <a:p>
             <a:r>
-              <a:rPr lang="en-US" dirty="0" smtClean="0"/>
+              <a:rPr lang="en-US" dirty="0"/>
               <a:t>Current state VM security</a:t>
             </a:r>
             <a:endParaRPr lang="en-US" sz="1800" dirty="0"/>
@@ -28101,7 +30281,7 @@
           <a:lstStyle/>
           <a:p>
             <a:r>
-              <a:rPr lang="en-US" dirty="0" smtClean="0"/>
+              <a:rPr lang="en-US" dirty="0"/>
               <a:t>To draw the current state monolith diagram for 3 tier application with security</a:t>
             </a:r>
           </a:p>
@@ -28218,10 +30398,9 @@
           <a:lstStyle/>
           <a:p>
             <a:r>
-              <a:rPr lang="en-US" dirty="0" smtClean="0"/>
+              <a:rPr lang="en-US" dirty="0"/>
               <a:t>Future state architecture</a:t>
             </a:r>
-            <a:endParaRPr lang="en-US" dirty="0"/>
           </a:p>
         </p:txBody>
       </p:sp>
@@ -28241,10 +30420,9 @@
           <a:lstStyle/>
           <a:p>
             <a:r>
-              <a:rPr lang="en-US" dirty="0" smtClean="0"/>
+              <a:rPr lang="en-US" dirty="0"/>
               <a:t>To draw same application in future state</a:t>
             </a:r>
-            <a:endParaRPr lang="en-US" dirty="0"/>
           </a:p>
         </p:txBody>
       </p:sp>
@@ -28421,7 +30599,7 @@
           <a:lstStyle/>
           <a:p>
             <a:r>
-              <a:rPr lang="en-US" dirty="0" smtClean="0"/>
+              <a:rPr lang="en-US" dirty="0"/>
               <a:t>Different level of vulnerability</a:t>
             </a:r>
             <a:endParaRPr lang="en-US" sz="1800" dirty="0"/>
@@ -28519,7 +30697,7 @@
               <a:buAutoNum type="arabicPeriod"/>
             </a:pPr>
             <a:r>
-              <a:rPr lang="en-US" dirty="0" smtClean="0">
+              <a:rPr lang="en-US" dirty="0">
                 <a:solidFill>
                   <a:schemeClr val="tx2"/>
                 </a:solidFill>
@@ -28533,7 +30711,7 @@
               <a:buAutoNum type="arabicPeriod"/>
             </a:pPr>
             <a:r>
-              <a:rPr lang="en-US" dirty="0" smtClean="0">
+              <a:rPr lang="en-US" dirty="0">
                 <a:solidFill>
                   <a:schemeClr val="tx2"/>
                 </a:solidFill>
@@ -28547,7 +30725,7 @@
               <a:buAutoNum type="arabicPeriod"/>
             </a:pPr>
             <a:r>
-              <a:rPr lang="en-US" dirty="0" smtClean="0">
+              <a:rPr lang="en-US" dirty="0">
                 <a:solidFill>
                   <a:schemeClr val="tx2"/>
                 </a:solidFill>
@@ -28561,7 +30739,7 @@
               <a:buAutoNum type="arabicPeriod"/>
             </a:pPr>
             <a:r>
-              <a:rPr lang="en-US" dirty="0" smtClean="0">
+              <a:rPr lang="en-US" dirty="0">
                 <a:solidFill>
                   <a:schemeClr val="tx2"/>
                 </a:solidFill>
@@ -28575,7 +30753,7 @@
               <a:buAutoNum type="arabicPeriod"/>
             </a:pPr>
             <a:r>
-              <a:rPr lang="en-US" dirty="0" smtClean="0">
+              <a:rPr lang="en-US" dirty="0">
                 <a:solidFill>
                   <a:schemeClr val="tx2"/>
                 </a:solidFill>
@@ -28589,7 +30767,7 @@
               <a:buAutoNum type="arabicPeriod"/>
             </a:pPr>
             <a:r>
-              <a:rPr lang="en-US" dirty="0" smtClean="0">
+              <a:rPr lang="en-US" dirty="0">
                 <a:solidFill>
                   <a:schemeClr val="tx2"/>
                 </a:solidFill>
@@ -28603,7 +30781,7 @@
               <a:buAutoNum type="arabicPeriod"/>
             </a:pPr>
             <a:r>
-              <a:rPr lang="en-US" dirty="0" smtClean="0">
+              <a:rPr lang="en-US" dirty="0">
                 <a:solidFill>
                   <a:schemeClr val="tx2"/>
                 </a:solidFill>
@@ -28617,7 +30795,7 @@
               <a:buAutoNum type="arabicPeriod"/>
             </a:pPr>
             <a:r>
-              <a:rPr lang="en-US" dirty="0" smtClean="0">
+              <a:rPr lang="en-US" dirty="0">
                 <a:solidFill>
                   <a:schemeClr val="tx2"/>
                 </a:solidFill>
@@ -28631,7 +30809,7 @@
               <a:buAutoNum type="arabicPeriod"/>
             </a:pPr>
             <a:r>
-              <a:rPr lang="en-US" dirty="0" smtClean="0">
+              <a:rPr lang="en-US" dirty="0">
                 <a:solidFill>
                   <a:schemeClr val="tx2"/>
                 </a:solidFill>
@@ -28645,7 +30823,7 @@
               <a:buAutoNum type="arabicPeriod"/>
             </a:pPr>
             <a:r>
-              <a:rPr lang="en-US" dirty="0" smtClean="0">
+              <a:rPr lang="en-US" dirty="0">
                 <a:solidFill>
                   <a:schemeClr val="tx2"/>
                 </a:solidFill>
@@ -28659,7 +30837,7 @@
               <a:buAutoNum type="arabicPeriod"/>
             </a:pPr>
             <a:r>
-              <a:rPr lang="en-US" dirty="0" smtClean="0">
+              <a:rPr lang="en-US" dirty="0">
                 <a:solidFill>
                   <a:schemeClr val="tx2"/>
                 </a:solidFill>
@@ -28673,7 +30851,7 @@
               <a:buAutoNum type="arabicPeriod"/>
             </a:pPr>
             <a:r>
-              <a:rPr lang="en-US" dirty="0" smtClean="0">
+              <a:rPr lang="en-US" dirty="0">
                 <a:solidFill>
                   <a:schemeClr val="tx2"/>
                 </a:solidFill>
@@ -28687,7 +30865,7 @@
               <a:buAutoNum type="arabicPeriod"/>
             </a:pPr>
             <a:r>
-              <a:rPr lang="en-US" dirty="0" smtClean="0">
+              <a:rPr lang="en-US" dirty="0">
                 <a:solidFill>
                   <a:schemeClr val="tx2"/>
                 </a:solidFill>
@@ -28695,14 +30873,14 @@
               <a:t>Base </a:t>
             </a:r>
             <a:r>
-              <a:rPr lang="en-US" dirty="0" err="1" smtClean="0">
+              <a:rPr lang="en-US" dirty="0" err="1">
                 <a:solidFill>
                   <a:schemeClr val="tx2"/>
                 </a:solidFill>
               </a:rPr>
               <a:t>previliges</a:t>
             </a:r>
-            <a:endParaRPr lang="en-US" dirty="0" smtClean="0">
+            <a:endParaRPr lang="en-US" dirty="0">
               <a:solidFill>
                 <a:schemeClr val="tx2"/>
               </a:solidFill>
@@ -28714,7 +30892,7 @@
               <a:buAutoNum type="arabicPeriod"/>
             </a:pPr>
             <a:r>
-              <a:rPr lang="en-US" dirty="0" smtClean="0">
+              <a:rPr lang="en-US" dirty="0">
                 <a:solidFill>
                   <a:schemeClr val="tx2"/>
                 </a:solidFill>
@@ -28728,7 +30906,7 @@
               <a:buAutoNum type="arabicPeriod"/>
             </a:pPr>
             <a:r>
-              <a:rPr lang="en-US" dirty="0" smtClean="0">
+              <a:rPr lang="en-US" dirty="0">
                 <a:solidFill>
                   <a:schemeClr val="tx2"/>
                 </a:solidFill>
@@ -28742,7 +30920,7 @@
               <a:buAutoNum type="arabicPeriod"/>
             </a:pPr>
             <a:r>
-              <a:rPr lang="en-US" dirty="0" smtClean="0">
+              <a:rPr lang="en-US" dirty="0">
                 <a:solidFill>
                   <a:schemeClr val="tx2"/>
                 </a:solidFill>
@@ -28756,7 +30934,7 @@
               <a:buAutoNum type="arabicPeriod"/>
             </a:pPr>
             <a:r>
-              <a:rPr lang="en-US" dirty="0" smtClean="0">
+              <a:rPr lang="en-US" dirty="0">
                 <a:solidFill>
                   <a:schemeClr val="tx2"/>
                 </a:solidFill>
@@ -28769,7 +30947,7 @@
               <a:buFont typeface="+mj-lt"/>
               <a:buAutoNum type="arabicPeriod"/>
             </a:pPr>
-            <a:endParaRPr lang="en-US" dirty="0" smtClean="0">
+            <a:endParaRPr lang="en-US" dirty="0">
               <a:solidFill>
                 <a:schemeClr val="tx2"/>
               </a:solidFill>
@@ -28869,7 +31047,7 @@
           <a:lstStyle/>
           <a:p>
             <a:r>
-              <a:rPr lang="en-US" dirty="0" smtClean="0"/>
+              <a:rPr lang="en-US" dirty="0"/>
               <a:t>Application security</a:t>
             </a:r>
             <a:endParaRPr lang="en-US" sz="1800" dirty="0"/>
@@ -29161,10 +31339,9 @@
           <a:lstStyle/>
           <a:p>
             <a:r>
-              <a:rPr lang="en-US" dirty="0" smtClean="0"/>
+              <a:rPr lang="en-US" dirty="0"/>
               <a:t>Apps Security=&gt;Web Application</a:t>
             </a:r>
-            <a:endParaRPr lang="en-US" dirty="0"/>
           </a:p>
         </p:txBody>
       </p:sp>
@@ -29191,132 +31368,132 @@
           <a:lstStyle/>
           <a:p>
             <a:r>
-              <a:rPr lang="en-US" dirty="0" smtClean="0"/>
+              <a:rPr lang="en-US" dirty="0"/>
               <a:t>Transport Level security</a:t>
             </a:r>
           </a:p>
           <a:p>
             <a:pPr lvl="1"/>
             <a:r>
-              <a:rPr lang="en-US" dirty="0" smtClean="0"/>
+              <a:rPr lang="en-US" dirty="0"/>
               <a:t>Storage of security</a:t>
             </a:r>
           </a:p>
           <a:p>
             <a:pPr lvl="2"/>
             <a:r>
-              <a:rPr lang="en-US" dirty="0" smtClean="0"/>
+              <a:rPr lang="en-US" dirty="0"/>
               <a:t>On a volume in the server </a:t>
             </a:r>
           </a:p>
           <a:p>
             <a:pPr lvl="2"/>
             <a:r>
-              <a:rPr lang="en-US" dirty="0" smtClean="0"/>
+              <a:rPr lang="en-US" dirty="0"/>
               <a:t>Kubernetes Secret</a:t>
             </a:r>
           </a:p>
           <a:p>
             <a:pPr lvl="2"/>
             <a:r>
-              <a:rPr lang="en-US" dirty="0" smtClean="0"/>
+              <a:rPr lang="en-US" dirty="0"/>
               <a:t>Vault</a:t>
             </a:r>
           </a:p>
           <a:p>
             <a:pPr lvl="1"/>
             <a:r>
-              <a:rPr lang="en-US" dirty="0" smtClean="0"/>
+              <a:rPr lang="en-US" dirty="0"/>
               <a:t>Certificate re-cycle</a:t>
             </a:r>
           </a:p>
           <a:p>
             <a:pPr lvl="2"/>
             <a:r>
-              <a:rPr lang="en-US" dirty="0" smtClean="0"/>
+              <a:rPr lang="en-US" dirty="0"/>
               <a:t>Replace the new certificate the container. Ensure application picks it up</a:t>
             </a:r>
           </a:p>
           <a:p>
             <a:pPr lvl="2"/>
             <a:r>
-              <a:rPr lang="en-US" dirty="0" smtClean="0"/>
+              <a:rPr lang="en-US" dirty="0"/>
               <a:t>Service Mesh using </a:t>
             </a:r>
             <a:r>
-              <a:rPr lang="en-US" dirty="0" err="1" smtClean="0"/>
+              <a:rPr lang="en-US" dirty="0" err="1"/>
               <a:t>Isito</a:t>
             </a:r>
             <a:r>
-              <a:rPr lang="en-US" dirty="0" smtClean="0"/>
+              <a:rPr lang="en-US" dirty="0"/>
               <a:t> and Envoy.</a:t>
             </a:r>
           </a:p>
           <a:p>
             <a:pPr lvl="1"/>
             <a:r>
-              <a:rPr lang="en-US" dirty="0" err="1" smtClean="0"/>
+              <a:rPr lang="en-US" dirty="0" err="1"/>
               <a:t>Ddos</a:t>
             </a:r>
             <a:r>
-              <a:rPr lang="en-US" dirty="0" smtClean="0"/>
+              <a:rPr lang="en-US" dirty="0"/>
               <a:t> prevention</a:t>
             </a:r>
           </a:p>
           <a:p>
             <a:pPr lvl="2"/>
             <a:r>
-              <a:rPr lang="en-US" dirty="0" smtClean="0"/>
+              <a:rPr lang="en-US" dirty="0"/>
               <a:t>Distribute the container across multiple cloud provider</a:t>
             </a:r>
           </a:p>
           <a:p>
             <a:pPr lvl="2"/>
             <a:r>
-              <a:rPr lang="en-US" dirty="0" err="1" smtClean="0"/>
+              <a:rPr lang="en-US" dirty="0" err="1"/>
               <a:t>Netwrok</a:t>
             </a:r>
             <a:r>
-              <a:rPr lang="en-US" dirty="0" smtClean="0"/>
+              <a:rPr lang="en-US" dirty="0"/>
               <a:t> level protection with IP’s monitoring</a:t>
             </a:r>
           </a:p>
           <a:p>
             <a:pPr lvl="2"/>
             <a:r>
-              <a:rPr lang="en-US" dirty="0" smtClean="0"/>
+              <a:rPr lang="en-US" dirty="0"/>
               <a:t>Load balancer level protection</a:t>
             </a:r>
           </a:p>
           <a:p>
             <a:pPr lvl="2"/>
             <a:r>
-              <a:rPr lang="en-US" dirty="0" smtClean="0"/>
+              <a:rPr lang="en-US" dirty="0"/>
               <a:t>API gateway to handle threshold traffic</a:t>
             </a:r>
           </a:p>
           <a:p>
             <a:pPr lvl="2"/>
             <a:r>
-              <a:rPr lang="en-US" dirty="0" smtClean="0"/>
+              <a:rPr lang="en-US" dirty="0"/>
               <a:t>Implement CVE scanning</a:t>
             </a:r>
           </a:p>
           <a:p>
             <a:pPr lvl="2"/>
             <a:r>
-              <a:rPr lang="en-US" dirty="0" smtClean="0"/>
+              <a:rPr lang="en-US" dirty="0"/>
               <a:t>Authorization plugin</a:t>
             </a:r>
-          </a:p>
-          <a:p>
-            <a:pPr lvl="2"/>
-            <a:endParaRPr lang="en-US" dirty="0" smtClean="0"/>
           </a:p>
           <a:p>
             <a:pPr lvl="2"/>
             <a:endParaRPr lang="en-US" dirty="0"/>
           </a:p>
+          <a:p>
+            <a:pPr lvl="2"/>
+            <a:endParaRPr lang="en-US" dirty="0"/>
+          </a:p>
         </p:txBody>
       </p:sp>
       <p:sp>
@@ -29335,7 +31512,7 @@
           <a:lstStyle/>
           <a:p>
             <a:r>
-              <a:rPr lang="en-US" smtClean="0"/>
+              <a:rPr lang="en-US"/>
               <a:t>© 2018 Cognizant</a:t>
             </a:r>
             <a:endParaRPr lang="en-US" dirty="0"/>
@@ -29398,7 +31575,13 @@
       </p:grpSpPr>
       <p:sp>
         <p:nvSpPr>
-          <p:cNvPr id="2" name="Title 1"/>
+          <p:cNvPr id="2" name="Title 1">
+            <a:extLst>
+              <a:ext uri="{FF2B5EF4-FFF2-40B4-BE49-F238E27FC236}">
+                <a16:creationId xmlns:a16="http://schemas.microsoft.com/office/drawing/2014/main" id="{13F26E3A-DEDC-49AA-8EC8-187FBDF6C52D}"/>
+              </a:ext>
+            </a:extLst>
+          </p:cNvPr>
           <p:cNvSpPr>
             <a:spLocks noGrp="1"/>
           </p:cNvSpPr>
@@ -29406,21 +31589,36 @@
             <p:ph type="title"/>
           </p:nvPr>
         </p:nvSpPr>
-        <p:spPr/>
+        <p:spPr>
+          <a:xfrm>
+            <a:off x="420833" y="628650"/>
+            <a:ext cx="6571060" cy="530223"/>
+          </a:xfrm>
+        </p:spPr>
         <p:txBody>
           <a:bodyPr/>
           <a:lstStyle/>
           <a:p>
             <a:r>
               <a:rPr lang="en-US" dirty="0"/>
-              <a:t>Apps Security=&gt;Web Application</a:t>
-            </a:r>
-          </a:p>
-        </p:txBody>
-      </p:sp>
-      <p:sp>
-        <p:nvSpPr>
-          <p:cNvPr id="3" name="Content Placeholder 2"/>
+              <a:t>Application Security =&gt; Web application</a:t>
+            </a:r>
+            <a:br>
+              <a:rPr lang="en-US" dirty="0"/>
+            </a:br>
+            <a:endParaRPr lang="en-US" dirty="0"/>
+          </a:p>
+        </p:txBody>
+      </p:sp>
+      <p:sp>
+        <p:nvSpPr>
+          <p:cNvPr id="3" name="Content Placeholder 2">
+            <a:extLst>
+              <a:ext uri="{FF2B5EF4-FFF2-40B4-BE49-F238E27FC236}">
+                <a16:creationId xmlns:a16="http://schemas.microsoft.com/office/drawing/2014/main" id="{9ECBFC98-B402-45D6-8F66-9A81FA488C1E}"/>
+              </a:ext>
+            </a:extLst>
+          </p:cNvPr>
           <p:cNvSpPr>
             <a:spLocks noGrp="1"/>
           </p:cNvSpPr>
@@ -29428,106 +31626,99 @@
             <p:ph idx="1"/>
           </p:nvPr>
         </p:nvSpPr>
-        <p:spPr/>
-        <p:txBody>
-          <a:bodyPr>
-            <a:normAutofit lnSpcReduction="10000"/>
-          </a:bodyPr>
-          <a:lstStyle/>
-          <a:p>
-            <a:r>
-              <a:rPr lang="en-US" dirty="0" smtClean="0"/>
-              <a:t>Privilege escalation attack</a:t>
-            </a:r>
-          </a:p>
-          <a:p>
-            <a:pPr lvl="1"/>
-            <a:r>
-              <a:rPr lang="en-US" dirty="0" smtClean="0"/>
-              <a:t>Ensure that only  just that amount of </a:t>
-            </a:r>
-            <a:r>
-              <a:rPr lang="en-US" dirty="0" err="1" smtClean="0"/>
-              <a:t>previliage</a:t>
-            </a:r>
-            <a:r>
-              <a:rPr lang="en-US" dirty="0" smtClean="0"/>
-              <a:t> is given to the container</a:t>
-            </a:r>
-          </a:p>
-          <a:p>
-            <a:pPr lvl="1"/>
-            <a:r>
-              <a:rPr lang="en-US" dirty="0" smtClean="0"/>
-              <a:t>Avoid impersonation unless required</a:t>
-            </a:r>
-          </a:p>
-          <a:p>
-            <a:pPr lvl="1"/>
-            <a:r>
-              <a:rPr lang="en-US" dirty="0" smtClean="0"/>
-              <a:t>Avoid connecting to other nodes or machine using the </a:t>
-            </a:r>
-            <a:r>
-              <a:rPr lang="en-US" dirty="0" err="1" smtClean="0"/>
-              <a:t>prviliges</a:t>
-            </a:r>
-            <a:endParaRPr lang="en-US" dirty="0" smtClean="0"/>
-          </a:p>
-          <a:p>
-            <a:r>
-              <a:rPr lang="en-US" dirty="0" smtClean="0"/>
-              <a:t>Port protection</a:t>
-            </a:r>
-          </a:p>
-          <a:p>
-            <a:r>
-              <a:rPr lang="en-US" dirty="0" smtClean="0"/>
-              <a:t>Over resource utilization</a:t>
-            </a:r>
-          </a:p>
-          <a:p>
-            <a:pPr lvl="1"/>
-            <a:r>
-              <a:rPr lang="en-US" dirty="0" smtClean="0"/>
-              <a:t>Scale based on rule with logging enabled</a:t>
-            </a:r>
-          </a:p>
-          <a:p>
-            <a:pPr lvl="1"/>
-            <a:r>
-              <a:rPr lang="en-US" dirty="0" smtClean="0"/>
-              <a:t>Cap on resource used to included in POD definition</a:t>
-            </a:r>
-          </a:p>
-          <a:p>
-            <a:r>
-              <a:rPr lang="en-US" dirty="0" smtClean="0"/>
-              <a:t>Re Pave and Re build frequently</a:t>
-            </a:r>
-          </a:p>
-          <a:p>
-            <a:endParaRPr lang="en-US" dirty="0"/>
-          </a:p>
-        </p:txBody>
-      </p:sp>
-      <p:sp>
-        <p:nvSpPr>
-          <p:cNvPr id="4" name="Footer Placeholder 3"/>
-          <p:cNvSpPr>
-            <a:spLocks noGrp="1"/>
-          </p:cNvSpPr>
-          <p:nvPr>
-            <p:ph type="ftr" sz="quarter" idx="11"/>
-          </p:nvPr>
-        </p:nvSpPr>
-        <p:spPr/>
+        <p:spPr>
+          <a:xfrm>
+            <a:off x="190920" y="1637881"/>
+            <a:ext cx="2110153" cy="3155998"/>
+          </a:xfrm>
+          <a:solidFill>
+            <a:schemeClr val="accent1">
+              <a:lumMod val="75000"/>
+            </a:schemeClr>
+          </a:solidFill>
+        </p:spPr>
         <p:txBody>
           <a:bodyPr/>
           <a:lstStyle/>
           <a:p>
-            <a:r>
-              <a:rPr lang="en-US" smtClean="0"/>
+            <a:pPr marL="0" indent="0">
+              <a:buNone/>
+            </a:pPr>
+            <a:r>
+              <a:rPr lang="en-US" dirty="0">
+                <a:solidFill>
+                  <a:schemeClr val="bg1"/>
+                </a:solidFill>
+              </a:rPr>
+              <a:t>Transport level security</a:t>
+            </a:r>
+          </a:p>
+          <a:p>
+            <a:pPr marL="0" indent="0">
+              <a:buNone/>
+            </a:pPr>
+            <a:r>
+              <a:rPr lang="en-US" dirty="0">
+                <a:solidFill>
+                  <a:schemeClr val="bg1"/>
+                </a:solidFill>
+              </a:rPr>
+              <a:t>Requirements</a:t>
+            </a:r>
+          </a:p>
+          <a:p>
+            <a:pPr marL="342900" indent="-342900">
+              <a:buFont typeface="+mj-lt"/>
+              <a:buAutoNum type="arabicPeriod"/>
+            </a:pPr>
+            <a:r>
+              <a:rPr lang="en-US" dirty="0">
+                <a:solidFill>
+                  <a:schemeClr val="bg1"/>
+                </a:solidFill>
+              </a:rPr>
+              <a:t>Able to store the SSL certificate in secured manner</a:t>
+            </a:r>
+          </a:p>
+          <a:p>
+            <a:pPr marL="342900" indent="-342900">
+              <a:buFont typeface="+mj-lt"/>
+              <a:buAutoNum type="arabicPeriod"/>
+            </a:pPr>
+            <a:r>
+              <a:rPr lang="en-US" dirty="0">
+                <a:solidFill>
+                  <a:schemeClr val="bg1"/>
+                </a:solidFill>
+              </a:rPr>
+              <a:t>Handle certificate rotation with ease</a:t>
+            </a:r>
+          </a:p>
+        </p:txBody>
+      </p:sp>
+      <p:sp>
+        <p:nvSpPr>
+          <p:cNvPr id="4" name="Footer Placeholder 3">
+            <a:extLst>
+              <a:ext uri="{FF2B5EF4-FFF2-40B4-BE49-F238E27FC236}">
+                <a16:creationId xmlns:a16="http://schemas.microsoft.com/office/drawing/2014/main" id="{CA405E3E-15E7-4E9C-B88E-4511CFBA5A76}"/>
+              </a:ext>
+            </a:extLst>
+          </p:cNvPr>
+          <p:cNvSpPr>
+            <a:spLocks noGrp="1"/>
+          </p:cNvSpPr>
+          <p:nvPr>
+            <p:ph type="ftr" sz="quarter" idx="11"/>
+          </p:nvPr>
+        </p:nvSpPr>
+        <p:spPr/>
+        <p:txBody>
+          <a:bodyPr/>
+          <a:lstStyle/>
+          <a:p>
+            <a:r>
+              <a:rPr lang="en-US"/>
               <a:t>© 2018 Cognizant</a:t>
             </a:r>
             <a:endParaRPr lang="en-US" dirty="0"/>
@@ -29536,7 +31727,13 @@
       </p:sp>
       <p:sp>
         <p:nvSpPr>
-          <p:cNvPr id="5" name="Slide Number Placeholder 4"/>
+          <p:cNvPr id="5" name="Slide Number Placeholder 4">
+            <a:extLst>
+              <a:ext uri="{FF2B5EF4-FFF2-40B4-BE49-F238E27FC236}">
+                <a16:creationId xmlns:a16="http://schemas.microsoft.com/office/drawing/2014/main" id="{8747381E-73EB-42BC-A4D6-298694DAC790}"/>
+              </a:ext>
+            </a:extLst>
+          </p:cNvPr>
           <p:cNvSpPr>
             <a:spLocks noGrp="1"/>
           </p:cNvSpPr>
@@ -29558,10 +31755,79 @@
           </a:p>
         </p:txBody>
       </p:sp>
+      <p:sp>
+        <p:nvSpPr>
+          <p:cNvPr id="6" name="TextBox 5">
+            <a:extLst>
+              <a:ext uri="{FF2B5EF4-FFF2-40B4-BE49-F238E27FC236}">
+                <a16:creationId xmlns:a16="http://schemas.microsoft.com/office/drawing/2014/main" id="{AD22530B-631C-4BB8-A0CA-B56619128770}"/>
+              </a:ext>
+            </a:extLst>
+          </p:cNvPr>
+          <p:cNvSpPr txBox="1"/>
+          <p:nvPr/>
+        </p:nvSpPr>
+        <p:spPr>
+          <a:xfrm>
+            <a:off x="2530986" y="1778558"/>
+            <a:ext cx="6613014" cy="1200329"/>
+          </a:xfrm>
+          <a:prstGeom prst="rect">
+            <a:avLst/>
+          </a:prstGeom>
+          <a:noFill/>
+        </p:spPr>
+        <p:txBody>
+          <a:bodyPr wrap="square" rtlCol="0">
+            <a:spAutoFit/>
+          </a:bodyPr>
+          <a:lstStyle/>
+          <a:p>
+            <a:pPr marL="285750" indent="-285750">
+              <a:buFont typeface="Arial" panose="020B0604020202020204" pitchFamily="34" charset="0"/>
+              <a:buChar char="•"/>
+            </a:pPr>
+            <a:r>
+              <a:rPr lang="en-US" dirty="0"/>
+              <a:t>Storing the certificates as Kubernetes Secret</a:t>
+            </a:r>
+          </a:p>
+          <a:p>
+            <a:pPr marL="285750" indent="-285750">
+              <a:buFont typeface="Arial" panose="020B0604020202020204" pitchFamily="34" charset="0"/>
+              <a:buChar char="•"/>
+            </a:pPr>
+            <a:r>
+              <a:rPr lang="en-US" dirty="0"/>
+              <a:t>Storing the certificate as part of vault</a:t>
+            </a:r>
+          </a:p>
+          <a:p>
+            <a:pPr marL="285750" indent="-285750">
+              <a:buFont typeface="Arial" panose="020B0604020202020204" pitchFamily="34" charset="0"/>
+              <a:buChar char="•"/>
+            </a:pPr>
+            <a:r>
+              <a:rPr lang="en-US" dirty="0"/>
+              <a:t>Storing certificate on mounted volumes</a:t>
+            </a:r>
+          </a:p>
+          <a:p>
+            <a:pPr marL="285750" indent="-285750">
+              <a:buFont typeface="Arial" panose="020B0604020202020204" pitchFamily="34" charset="0"/>
+              <a:buChar char="•"/>
+            </a:pPr>
+            <a:r>
+              <a:rPr lang="en-US" dirty="0"/>
+              <a:t>Creating service Mesh to handle certificate</a:t>
+            </a:r>
+          </a:p>
+        </p:txBody>
+      </p:sp>
     </p:spTree>
     <p:extLst>
       <p:ext uri="{BB962C8B-B14F-4D97-AF65-F5344CB8AC3E}">
-        <p14:creationId xmlns:p14="http://schemas.microsoft.com/office/powerpoint/2010/main" val="4167555223"/>
+        <p14:creationId xmlns:p14="http://schemas.microsoft.com/office/powerpoint/2010/main" val="2282631156"/>
       </p:ext>
     </p:extLst>
   </p:cSld>
@@ -29590,7 +31856,13 @@
       </p:grpSpPr>
       <p:sp>
         <p:nvSpPr>
-          <p:cNvPr id="2" name="Title 1"/>
+          <p:cNvPr id="2" name="Title 1">
+            <a:extLst>
+              <a:ext uri="{FF2B5EF4-FFF2-40B4-BE49-F238E27FC236}">
+                <a16:creationId xmlns:a16="http://schemas.microsoft.com/office/drawing/2014/main" id="{3865C4D1-7B8F-4188-BDDA-4CB07D1AA977}"/>
+              </a:ext>
+            </a:extLst>
+          </p:cNvPr>
           <p:cNvSpPr>
             <a:spLocks noGrp="1"/>
           </p:cNvSpPr>
@@ -29604,21 +31876,26 @@
           <a:lstStyle/>
           <a:p>
             <a:r>
-              <a:rPr lang="en-US" dirty="0" smtClean="0"/>
-              <a:t>Application Security =&gt; Batch</a:t>
-            </a:r>
-            <a:endParaRPr lang="en-US" dirty="0"/>
-          </a:p>
-        </p:txBody>
-      </p:sp>
-      <p:sp>
-        <p:nvSpPr>
-          <p:cNvPr id="3" name="Content Placeholder 2"/>
-          <p:cNvSpPr>
-            <a:spLocks noGrp="1"/>
-          </p:cNvSpPr>
-          <p:nvPr>
-            <p:ph idx="1"/>
+              <a:rPr lang="en-US" dirty="0"/>
+              <a:t>Application Security =&gt; Web application</a:t>
+            </a:r>
+          </a:p>
+        </p:txBody>
+      </p:sp>
+      <p:sp>
+        <p:nvSpPr>
+          <p:cNvPr id="4" name="Footer Placeholder 3">
+            <a:extLst>
+              <a:ext uri="{FF2B5EF4-FFF2-40B4-BE49-F238E27FC236}">
+                <a16:creationId xmlns:a16="http://schemas.microsoft.com/office/drawing/2014/main" id="{76B3BD38-4189-4538-8F18-E98FE65E38FC}"/>
+              </a:ext>
+            </a:extLst>
+          </p:cNvPr>
+          <p:cNvSpPr>
+            <a:spLocks noGrp="1"/>
+          </p:cNvSpPr>
+          <p:nvPr>
+            <p:ph type="ftr" sz="quarter" idx="11"/>
           </p:nvPr>
         </p:nvSpPr>
         <p:spPr/>
@@ -29627,91 +31904,22 @@
           <a:lstStyle/>
           <a:p>
             <a:r>
-              <a:rPr lang="en-US" dirty="0" smtClean="0"/>
-              <a:t>TLS protection</a:t>
-            </a:r>
-          </a:p>
-          <a:p>
-            <a:pPr lvl="1"/>
-            <a:r>
-              <a:rPr lang="en-US" dirty="0" smtClean="0"/>
-              <a:t>Side car for handling </a:t>
-            </a:r>
-            <a:r>
-              <a:rPr lang="en-US" dirty="0" err="1" smtClean="0"/>
-              <a:t>netwrok</a:t>
-            </a:r>
-            <a:r>
-              <a:rPr lang="en-US" dirty="0" smtClean="0"/>
-              <a:t> policy</a:t>
-            </a:r>
-          </a:p>
-          <a:p>
-            <a:pPr lvl="1"/>
-            <a:r>
-              <a:rPr lang="en-US" dirty="0" smtClean="0"/>
-              <a:t>Avoid connecting other VM/POD with a known User ID and password</a:t>
-            </a:r>
-          </a:p>
-          <a:p>
-            <a:r>
-              <a:rPr lang="en-US" dirty="0" err="1" smtClean="0"/>
-              <a:t>Previligae</a:t>
-            </a:r>
-            <a:r>
-              <a:rPr lang="en-US" dirty="0" smtClean="0"/>
-              <a:t> escalation attack</a:t>
-            </a:r>
-          </a:p>
-          <a:p>
-            <a:r>
-              <a:rPr lang="en-US" dirty="0" smtClean="0"/>
-              <a:t>Credential security</a:t>
-            </a:r>
-          </a:p>
-          <a:p>
-            <a:r>
-              <a:rPr lang="en-US" dirty="0" smtClean="0"/>
-              <a:t>Resource starvation</a:t>
-            </a:r>
-          </a:p>
-          <a:p>
-            <a:endParaRPr lang="en-US" dirty="0" smtClean="0"/>
-          </a:p>
-          <a:p>
-            <a:endParaRPr lang="en-US" dirty="0" smtClean="0"/>
-          </a:p>
-          <a:p>
+              <a:rPr lang="en-US"/>
+              <a:t>© 2018 Cognizant</a:t>
+            </a:r>
             <a:endParaRPr lang="en-US" dirty="0"/>
           </a:p>
         </p:txBody>
       </p:sp>
       <p:sp>
         <p:nvSpPr>
-          <p:cNvPr id="4" name="Footer Placeholder 3"/>
-          <p:cNvSpPr>
-            <a:spLocks noGrp="1"/>
-          </p:cNvSpPr>
-          <p:nvPr>
-            <p:ph type="ftr" sz="quarter" idx="11"/>
-          </p:nvPr>
-        </p:nvSpPr>
-        <p:spPr/>
-        <p:txBody>
-          <a:bodyPr/>
-          <a:lstStyle/>
-          <a:p>
-            <a:r>
-              <a:rPr lang="en-US" smtClean="0"/>
-              <a:t>© 2018 Cognizant</a:t>
-            </a:r>
-            <a:endParaRPr lang="en-US" dirty="0"/>
-          </a:p>
-        </p:txBody>
-      </p:sp>
-      <p:sp>
-        <p:nvSpPr>
-          <p:cNvPr id="5" name="Slide Number Placeholder 4"/>
+          <p:cNvPr id="5" name="Slide Number Placeholder 4">
+            <a:extLst>
+              <a:ext uri="{FF2B5EF4-FFF2-40B4-BE49-F238E27FC236}">
+                <a16:creationId xmlns:a16="http://schemas.microsoft.com/office/drawing/2014/main" id="{C660EC86-8208-4DDA-946E-D4A0AEF64167}"/>
+              </a:ext>
+            </a:extLst>
+          </p:cNvPr>
           <p:cNvSpPr>
             <a:spLocks noGrp="1"/>
           </p:cNvSpPr>
@@ -29733,10 +31941,249 @@
           </a:p>
         </p:txBody>
       </p:sp>
+      <p:sp>
+        <p:nvSpPr>
+          <p:cNvPr id="6" name="Content Placeholder 2">
+            <a:extLst>
+              <a:ext uri="{FF2B5EF4-FFF2-40B4-BE49-F238E27FC236}">
+                <a16:creationId xmlns:a16="http://schemas.microsoft.com/office/drawing/2014/main" id="{3D58295E-2955-4806-A04E-ADE5831959C6}"/>
+              </a:ext>
+            </a:extLst>
+          </p:cNvPr>
+          <p:cNvSpPr>
+            <a:spLocks noGrp="1"/>
+          </p:cNvSpPr>
+          <p:nvPr>
+            <p:ph idx="1"/>
+          </p:nvPr>
+        </p:nvSpPr>
+        <p:spPr>
+          <a:xfrm>
+            <a:off x="190920" y="1637881"/>
+            <a:ext cx="2110153" cy="3155998"/>
+          </a:xfrm>
+          <a:solidFill>
+            <a:schemeClr val="accent1">
+              <a:lumMod val="75000"/>
+            </a:schemeClr>
+          </a:solidFill>
+        </p:spPr>
+        <p:txBody>
+          <a:bodyPr/>
+          <a:lstStyle/>
+          <a:p>
+            <a:pPr marL="0" indent="0">
+              <a:buNone/>
+            </a:pPr>
+            <a:r>
+              <a:rPr lang="en-US" dirty="0">
+                <a:solidFill>
+                  <a:schemeClr val="bg1"/>
+                </a:solidFill>
+              </a:rPr>
+              <a:t>Transport level security</a:t>
+            </a:r>
+          </a:p>
+          <a:p>
+            <a:pPr marL="0" indent="0">
+              <a:buNone/>
+            </a:pPr>
+            <a:r>
+              <a:rPr lang="en-US" dirty="0">
+                <a:solidFill>
+                  <a:schemeClr val="bg1"/>
+                </a:solidFill>
+              </a:rPr>
+              <a:t>Requirements</a:t>
+            </a:r>
+          </a:p>
+          <a:p>
+            <a:pPr marL="342900" indent="-342900">
+              <a:buFont typeface="+mj-lt"/>
+              <a:buAutoNum type="arabicPeriod"/>
+            </a:pPr>
+            <a:r>
+              <a:rPr lang="en-US" dirty="0">
+                <a:solidFill>
+                  <a:schemeClr val="bg1"/>
+                </a:solidFill>
+              </a:rPr>
+              <a:t>Certificate as Vault</a:t>
+            </a:r>
+          </a:p>
+        </p:txBody>
+      </p:sp>
+      <p:sp>
+        <p:nvSpPr>
+          <p:cNvPr id="7" name="TextBox 6">
+            <a:extLst>
+              <a:ext uri="{FF2B5EF4-FFF2-40B4-BE49-F238E27FC236}">
+                <a16:creationId xmlns:a16="http://schemas.microsoft.com/office/drawing/2014/main" id="{C87DC255-5799-4D14-B364-D6BCCB517CC6}"/>
+              </a:ext>
+            </a:extLst>
+          </p:cNvPr>
+          <p:cNvSpPr txBox="1"/>
+          <p:nvPr/>
+        </p:nvSpPr>
+        <p:spPr>
+          <a:xfrm>
+            <a:off x="2301073" y="1657978"/>
+            <a:ext cx="6652007" cy="1477328"/>
+          </a:xfrm>
+          <a:prstGeom prst="rect">
+            <a:avLst/>
+          </a:prstGeom>
+          <a:noFill/>
+          <a:ln>
+            <a:solidFill>
+              <a:schemeClr val="accent1"/>
+            </a:solidFill>
+          </a:ln>
+        </p:spPr>
+        <p:txBody>
+          <a:bodyPr wrap="square" rtlCol="0">
+            <a:spAutoFit/>
+          </a:bodyPr>
+          <a:lstStyle/>
+          <a:p>
+            <a:pPr marL="285750" indent="-285750">
+              <a:buFont typeface="Arial" panose="020B0604020202020204" pitchFamily="34" charset="0"/>
+              <a:buChar char="•"/>
+            </a:pPr>
+            <a:r>
+              <a:rPr lang="en-US" dirty="0"/>
+              <a:t>The Certificate is stored in Kubernetes</a:t>
+            </a:r>
+          </a:p>
+          <a:p>
+            <a:pPr marL="285750" indent="-285750">
+              <a:buFont typeface="Arial" panose="020B0604020202020204" pitchFamily="34" charset="0"/>
+              <a:buChar char="•"/>
+            </a:pPr>
+            <a:r>
+              <a:rPr lang="en-US" dirty="0"/>
+              <a:t>For edge server like Kestrel, the path of the certificate is provided as Kubernetes secret</a:t>
+            </a:r>
+          </a:p>
+          <a:p>
+            <a:pPr marL="285750" indent="-285750">
+              <a:buFont typeface="Arial" panose="020B0604020202020204" pitchFamily="34" charset="0"/>
+              <a:buChar char="•"/>
+            </a:pPr>
+            <a:r>
+              <a:rPr lang="en-US" dirty="0"/>
+              <a:t>When certificate is to be rotated, then the new secret is placed in secret</a:t>
+            </a:r>
+          </a:p>
+        </p:txBody>
+      </p:sp>
+      <p:sp>
+        <p:nvSpPr>
+          <p:cNvPr id="8" name="Rectangle 7">
+            <a:extLst>
+              <a:ext uri="{FF2B5EF4-FFF2-40B4-BE49-F238E27FC236}">
+                <a16:creationId xmlns:a16="http://schemas.microsoft.com/office/drawing/2014/main" id="{F5A0D06A-07BE-4568-A2A3-D153F50EB86E}"/>
+              </a:ext>
+            </a:extLst>
+          </p:cNvPr>
+          <p:cNvSpPr/>
+          <p:nvPr/>
+        </p:nvSpPr>
+        <p:spPr>
+          <a:xfrm>
+            <a:off x="2301073" y="3155404"/>
+            <a:ext cx="6652006" cy="228602"/>
+          </a:xfrm>
+          <a:prstGeom prst="rect">
+            <a:avLst/>
+          </a:prstGeom>
+        </p:spPr>
+        <p:style>
+          <a:lnRef idx="2">
+            <a:schemeClr val="accent1">
+              <a:shade val="50000"/>
+            </a:schemeClr>
+          </a:lnRef>
+          <a:fillRef idx="1">
+            <a:schemeClr val="accent1"/>
+          </a:fillRef>
+          <a:effectRef idx="0">
+            <a:schemeClr val="accent1"/>
+          </a:effectRef>
+          <a:fontRef idx="minor">
+            <a:schemeClr val="lt1"/>
+          </a:fontRef>
+        </p:style>
+        <p:txBody>
+          <a:bodyPr rtlCol="0" anchor="ctr"/>
+          <a:lstStyle/>
+          <a:p>
+            <a:pPr algn="ctr"/>
+            <a:r>
+              <a:rPr lang="en-US" dirty="0"/>
+              <a:t>Disadvantage of approach </a:t>
+            </a:r>
+          </a:p>
+        </p:txBody>
+      </p:sp>
+      <p:sp>
+        <p:nvSpPr>
+          <p:cNvPr id="9" name="TextBox 8">
+            <a:extLst>
+              <a:ext uri="{FF2B5EF4-FFF2-40B4-BE49-F238E27FC236}">
+                <a16:creationId xmlns:a16="http://schemas.microsoft.com/office/drawing/2014/main" id="{B710A93E-EF3D-415E-847E-0F24C10667C4}"/>
+              </a:ext>
+            </a:extLst>
+          </p:cNvPr>
+          <p:cNvSpPr txBox="1"/>
+          <p:nvPr/>
+        </p:nvSpPr>
+        <p:spPr>
+          <a:xfrm>
+            <a:off x="2301074" y="3404846"/>
+            <a:ext cx="6652006" cy="1200329"/>
+          </a:xfrm>
+          <a:prstGeom prst="rect">
+            <a:avLst/>
+          </a:prstGeom>
+          <a:noFill/>
+          <a:ln>
+            <a:solidFill>
+              <a:schemeClr val="accent1"/>
+            </a:solidFill>
+          </a:ln>
+        </p:spPr>
+        <p:txBody>
+          <a:bodyPr wrap="square" rtlCol="0">
+            <a:spAutoFit/>
+          </a:bodyPr>
+          <a:lstStyle/>
+          <a:p>
+            <a:pPr marL="285750" indent="-285750">
+              <a:buFont typeface="Arial" panose="020B0604020202020204" pitchFamily="34" charset="0"/>
+              <a:buChar char="•"/>
+            </a:pPr>
+            <a:r>
+              <a:rPr lang="en-US" dirty="0"/>
+              <a:t>During the certificate rotation we need to re-start the server</a:t>
+            </a:r>
+          </a:p>
+          <a:p>
+            <a:pPr marL="285750" indent="-285750">
+              <a:buFont typeface="Arial" panose="020B0604020202020204" pitchFamily="34" charset="0"/>
+              <a:buChar char="•"/>
+            </a:pPr>
+            <a:r>
+              <a:rPr lang="en-US" dirty="0"/>
+              <a:t>Any security vulnerability in Kubernetes can expose certificate</a:t>
+            </a:r>
+          </a:p>
+        </p:txBody>
+      </p:sp>
     </p:spTree>
     <p:extLst>
       <p:ext uri="{BB962C8B-B14F-4D97-AF65-F5344CB8AC3E}">
-        <p14:creationId xmlns:p14="http://schemas.microsoft.com/office/powerpoint/2010/main" val="992544480"/>
+        <p14:creationId xmlns:p14="http://schemas.microsoft.com/office/powerpoint/2010/main" val="149771532"/>
       </p:ext>
     </p:extLst>
   </p:cSld>
